--- a/201840209_김종호_0918리포트.pptx
+++ b/201840209_김종호_0918리포트.pptx
@@ -3409,7 +3409,7 @@
         <p:spPr>
           <a:xfrm>
             <a:off x="0" y="185738"/>
-            <a:ext cx="11830050" cy="7017306"/>
+            <a:ext cx="11830050" cy="6740307"/>
           </a:xfrm>
           <a:prstGeom prst="rect">
             <a:avLst/>
@@ -3423,23 +3423,14 @@
           <a:lstStyle/>
           <a:p>
             <a:r>
-              <a:rPr lang="en-US" altLang="ko-KR" dirty="0">
-                <a:latin typeface="Consolas" panose="020B0609020204030204" pitchFamily="49" charset="0"/>
-              </a:rPr>
-              <a:t>&lt;h2&gt;</a:t>
-            </a:r>
-            <a:r>
               <a:rPr lang="ko-KR" altLang="en-US" dirty="0">
                 <a:latin typeface="Consolas" panose="020B0609020204030204" pitchFamily="49" charset="0"/>
               </a:rPr>
               <a:t>수업 내용 정리</a:t>
             </a:r>
-            <a:r>
-              <a:rPr lang="en-US" altLang="ko-KR" dirty="0">
-                <a:latin typeface="Consolas" panose="020B0609020204030204" pitchFamily="49" charset="0"/>
-              </a:rPr>
-              <a:t>&lt;/h2&gt;</a:t>
-            </a:r>
+            <a:endParaRPr lang="en-US" altLang="ko-KR" dirty="0">
+              <a:latin typeface="Consolas" panose="020B0609020204030204" pitchFamily="49" charset="0"/>
+            </a:endParaRPr>
           </a:p>
           <a:p>
             <a:r>
@@ -3564,13 +3555,674 @@
               <a:rPr lang="en-US" altLang="ko-KR" dirty="0">
                 <a:latin typeface="Consolas" panose="020B0609020204030204" pitchFamily="49" charset="0"/>
               </a:rPr>
-              <a:t>.&lt;</a:t>
+              <a:t>.</a:t>
+            </a:r>
+          </a:p>
+          <a:p>
+            <a:br>
+              <a:rPr lang="en-US" altLang="ko-KR" dirty="0">
+                <a:latin typeface="Consolas" panose="020B0609020204030204" pitchFamily="49" charset="0"/>
+              </a:rPr>
+            </a:br>
+            <a:r>
+              <a:rPr lang="en-US" altLang="ko-KR" dirty="0">
+                <a:latin typeface="Consolas" panose="020B0609020204030204" pitchFamily="49" charset="0"/>
+              </a:rPr>
+              <a:t> </a:t>
+            </a:r>
+            <a:r>
+              <a:rPr lang="ko-KR" altLang="en-US" dirty="0">
+                <a:latin typeface="Consolas" panose="020B0609020204030204" pitchFamily="49" charset="0"/>
+              </a:rPr>
+              <a:t>바로 변경이 </a:t>
+            </a:r>
+            <a:r>
+              <a:rPr lang="ko-KR" altLang="en-US" dirty="0" err="1">
+                <a:latin typeface="Consolas" panose="020B0609020204030204" pitchFamily="49" charset="0"/>
+              </a:rPr>
+              <a:t>안될때가</a:t>
+            </a:r>
+            <a:r>
+              <a:rPr lang="ko-KR" altLang="en-US" dirty="0">
+                <a:latin typeface="Consolas" panose="020B0609020204030204" pitchFamily="49" charset="0"/>
+              </a:rPr>
+              <a:t> 있는데 </a:t>
+            </a:r>
+            <a:r>
+              <a:rPr lang="ko-KR" altLang="en-US" dirty="0" err="1">
+                <a:latin typeface="Consolas" panose="020B0609020204030204" pitchFamily="49" charset="0"/>
+              </a:rPr>
+              <a:t>그럴땐</a:t>
+            </a:r>
+            <a:r>
+              <a:rPr lang="ko-KR" altLang="en-US" dirty="0">
+                <a:latin typeface="Consolas" panose="020B0609020204030204" pitchFamily="49" charset="0"/>
+              </a:rPr>
+              <a:t> </a:t>
+            </a:r>
+            <a:r>
+              <a:rPr lang="ko-KR" altLang="en-US" dirty="0" err="1">
+                <a:latin typeface="Consolas" panose="020B0609020204030204" pitchFamily="49" charset="0"/>
+              </a:rPr>
+              <a:t>리포지토리에서</a:t>
+            </a:r>
+            <a:r>
+              <a:rPr lang="ko-KR" altLang="en-US" dirty="0">
+                <a:latin typeface="Consolas" panose="020B0609020204030204" pitchFamily="49" charset="0"/>
+              </a:rPr>
+              <a:t> </a:t>
+            </a:r>
+            <a:r>
+              <a:rPr lang="en-US" altLang="ko-KR" dirty="0">
+                <a:latin typeface="Consolas" panose="020B0609020204030204" pitchFamily="49" charset="0"/>
+              </a:rPr>
+              <a:t>docs </a:t>
+            </a:r>
+            <a:r>
+              <a:rPr lang="ko-KR" altLang="en-US" dirty="0">
+                <a:latin typeface="Consolas" panose="020B0609020204030204" pitchFamily="49" charset="0"/>
+              </a:rPr>
+              <a:t>폴더와 필요한 파일을 </a:t>
+            </a:r>
+          </a:p>
+          <a:p>
+            <a:r>
+              <a:rPr lang="ko-KR" altLang="en-US" dirty="0">
+                <a:latin typeface="Consolas" panose="020B0609020204030204" pitchFamily="49" charset="0"/>
+              </a:rPr>
+              <a:t> 구해두고</a:t>
+            </a:r>
+            <a:r>
+              <a:rPr lang="en-US" altLang="ko-KR" dirty="0">
+                <a:latin typeface="Consolas" panose="020B0609020204030204" pitchFamily="49" charset="0"/>
+              </a:rPr>
+              <a:t>(</a:t>
+            </a:r>
+            <a:r>
+              <a:rPr lang="ko-KR" altLang="en-US" dirty="0">
+                <a:latin typeface="Consolas" panose="020B0609020204030204" pitchFamily="49" charset="0"/>
+              </a:rPr>
+              <a:t>혹은 만들고</a:t>
+            </a:r>
+            <a:r>
+              <a:rPr lang="en-US" altLang="ko-KR" dirty="0">
+                <a:latin typeface="Consolas" panose="020B0609020204030204" pitchFamily="49" charset="0"/>
+              </a:rPr>
+              <a:t>) </a:t>
             </a:r>
             <a:r>
               <a:rPr lang="en-US" altLang="ko-KR" dirty="0" err="1">
                 <a:latin typeface="Consolas" panose="020B0609020204030204" pitchFamily="49" charset="0"/>
               </a:rPr>
-              <a:t>br</a:t>
+              <a:t>index.md,html</a:t>
+            </a:r>
+            <a:r>
+              <a:rPr lang="en-US" altLang="ko-KR" dirty="0">
+                <a:latin typeface="Consolas" panose="020B0609020204030204" pitchFamily="49" charset="0"/>
+              </a:rPr>
+              <a:t> </a:t>
+            </a:r>
+            <a:r>
+              <a:rPr lang="ko-KR" altLang="en-US" dirty="0">
+                <a:latin typeface="Consolas" panose="020B0609020204030204" pitchFamily="49" charset="0"/>
+              </a:rPr>
+              <a:t>을 만든다 그렇게 하면 기본적으로 </a:t>
+            </a:r>
+            <a:r>
+              <a:rPr lang="en-US" altLang="ko-KR" dirty="0">
+                <a:latin typeface="Consolas" panose="020B0609020204030204" pitchFamily="49" charset="0"/>
+              </a:rPr>
+              <a:t>git</a:t>
+            </a:r>
+            <a:r>
+              <a:rPr lang="ko-KR" altLang="en-US" dirty="0">
+                <a:latin typeface="Consolas" panose="020B0609020204030204" pitchFamily="49" charset="0"/>
+              </a:rPr>
+              <a:t>에게 </a:t>
+            </a:r>
+          </a:p>
+          <a:p>
+            <a:r>
+              <a:rPr lang="ko-KR" altLang="en-US" dirty="0">
+                <a:latin typeface="Consolas" panose="020B0609020204030204" pitchFamily="49" charset="0"/>
+              </a:rPr>
+              <a:t> </a:t>
+            </a:r>
+            <a:r>
+              <a:rPr lang="ko-KR" altLang="en-US" dirty="0" err="1">
+                <a:latin typeface="Consolas" panose="020B0609020204030204" pitchFamily="49" charset="0"/>
+              </a:rPr>
+              <a:t>할당받은</a:t>
+            </a:r>
+            <a:r>
+              <a:rPr lang="ko-KR" altLang="en-US" dirty="0">
+                <a:latin typeface="Consolas" panose="020B0609020204030204" pitchFamily="49" charset="0"/>
+              </a:rPr>
+              <a:t> 사이트에 접속하면 기본 페이지가 나타난다</a:t>
+            </a:r>
+            <a:r>
+              <a:rPr lang="en-US" altLang="ko-KR" dirty="0">
+                <a:latin typeface="Consolas" panose="020B0609020204030204" pitchFamily="49" charset="0"/>
+              </a:rPr>
+              <a:t>.</a:t>
+            </a:r>
+          </a:p>
+          <a:p>
+            <a:br>
+              <a:rPr lang="en-US" altLang="ko-KR" dirty="0">
+                <a:latin typeface="Consolas" panose="020B0609020204030204" pitchFamily="49" charset="0"/>
+              </a:rPr>
+            </a:br>
+            <a:r>
+              <a:rPr lang="en-US" altLang="ko-KR" dirty="0">
+                <a:latin typeface="Consolas" panose="020B0609020204030204" pitchFamily="49" charset="0"/>
+              </a:rPr>
+              <a:t> </a:t>
+            </a:r>
+            <a:r>
+              <a:rPr lang="ko-KR" altLang="en-US" dirty="0">
+                <a:latin typeface="Consolas" panose="020B0609020204030204" pitchFamily="49" charset="0"/>
+              </a:rPr>
+              <a:t>기본적인 메인 페이지를 만들었다면 다른 웹 사이트 처럼 이동하며 </a:t>
+            </a:r>
+            <a:r>
+              <a:rPr lang="ko-KR" altLang="en-US" dirty="0" err="1">
+                <a:latin typeface="Consolas" panose="020B0609020204030204" pitchFamily="49" charset="0"/>
+              </a:rPr>
+              <a:t>알아볼수있도록</a:t>
+            </a:r>
+            <a:r>
+              <a:rPr lang="ko-KR" altLang="en-US" dirty="0">
+                <a:latin typeface="Consolas" panose="020B0609020204030204" pitchFamily="49" charset="0"/>
+              </a:rPr>
+              <a:t> </a:t>
+            </a:r>
+          </a:p>
+          <a:p>
+            <a:r>
+              <a:rPr lang="ko-KR" altLang="en-US" dirty="0">
+                <a:latin typeface="Consolas" panose="020B0609020204030204" pitchFamily="49" charset="0"/>
+              </a:rPr>
+              <a:t> 링크를 </a:t>
+            </a:r>
+            <a:r>
+              <a:rPr lang="ko-KR" altLang="en-US" dirty="0" err="1">
+                <a:latin typeface="Consolas" panose="020B0609020204030204" pitchFamily="49" charset="0"/>
+              </a:rPr>
+              <a:t>걸어둔다</a:t>
+            </a:r>
+            <a:r>
+              <a:rPr lang="en-US" altLang="ko-KR" dirty="0">
+                <a:latin typeface="Consolas" panose="020B0609020204030204" pitchFamily="49" charset="0"/>
+              </a:rPr>
+              <a:t>. html </a:t>
+            </a:r>
+            <a:r>
+              <a:rPr lang="ko-KR" altLang="en-US" dirty="0">
+                <a:latin typeface="Consolas" panose="020B0609020204030204" pitchFamily="49" charset="0"/>
+              </a:rPr>
+              <a:t>이라면 </a:t>
+            </a:r>
+            <a:r>
+              <a:rPr lang="en-US" altLang="ko-KR" dirty="0">
+                <a:latin typeface="Consolas" panose="020B0609020204030204" pitchFamily="49" charset="0"/>
+              </a:rPr>
+              <a:t>&lt;a </a:t>
+            </a:r>
+            <a:r>
+              <a:rPr lang="en-US" altLang="ko-KR" dirty="0" err="1">
+                <a:latin typeface="Consolas" panose="020B0609020204030204" pitchFamily="49" charset="0"/>
+              </a:rPr>
+              <a:t>href</a:t>
+            </a:r>
+            <a:r>
+              <a:rPr lang="en-US" altLang="ko-KR" dirty="0">
+                <a:latin typeface="Consolas" panose="020B0609020204030204" pitchFamily="49" charset="0"/>
+              </a:rPr>
+              <a:t> ="~~~~"&gt;""&lt;/a&gt;</a:t>
+            </a:r>
+            <a:r>
+              <a:rPr lang="ko-KR" altLang="en-US" dirty="0">
+                <a:latin typeface="Consolas" panose="020B0609020204030204" pitchFamily="49" charset="0"/>
+              </a:rPr>
+              <a:t>로 링크를 걸어 </a:t>
+            </a:r>
+          </a:p>
+          <a:p>
+            <a:r>
+              <a:rPr lang="ko-KR" altLang="en-US" dirty="0">
+                <a:latin typeface="Consolas" panose="020B0609020204030204" pitchFamily="49" charset="0"/>
+              </a:rPr>
+              <a:t> </a:t>
+            </a:r>
+            <a:r>
+              <a:rPr lang="ko-KR" altLang="en-US" dirty="0" err="1">
+                <a:latin typeface="Consolas" panose="020B0609020204030204" pitchFamily="49" charset="0"/>
+              </a:rPr>
+              <a:t>이동할수있지만</a:t>
+            </a:r>
+            <a:r>
+              <a:rPr lang="ko-KR" altLang="en-US" dirty="0">
+                <a:latin typeface="Consolas" panose="020B0609020204030204" pitchFamily="49" charset="0"/>
+              </a:rPr>
+              <a:t> </a:t>
+            </a:r>
+            <a:r>
+              <a:rPr lang="en-US" altLang="ko-KR" dirty="0">
+                <a:latin typeface="Consolas" panose="020B0609020204030204" pitchFamily="49" charset="0"/>
+              </a:rPr>
+              <a:t>md</a:t>
+            </a:r>
+            <a:r>
+              <a:rPr lang="ko-KR" altLang="en-US" dirty="0">
+                <a:latin typeface="Consolas" panose="020B0609020204030204" pitchFamily="49" charset="0"/>
+              </a:rPr>
+              <a:t>는 인라인 주소 삽입 방법과 참조 링크 삽입 방법 함축적 링크 사용 방법이 있다</a:t>
+            </a:r>
+            <a:r>
+              <a:rPr lang="en-US" altLang="ko-KR" dirty="0">
+                <a:latin typeface="Consolas" panose="020B0609020204030204" pitchFamily="49" charset="0"/>
+              </a:rPr>
+              <a:t>.</a:t>
+            </a:r>
+          </a:p>
+          <a:p>
+            <a:br>
+              <a:rPr lang="en-US" altLang="ko-KR" dirty="0">
+                <a:latin typeface="Consolas" panose="020B0609020204030204" pitchFamily="49" charset="0"/>
+              </a:rPr>
+            </a:br>
+            <a:r>
+              <a:rPr lang="en-US" altLang="ko-KR" dirty="0">
+                <a:latin typeface="Consolas" panose="020B0609020204030204" pitchFamily="49" charset="0"/>
+              </a:rPr>
+              <a:t> </a:t>
+            </a:r>
+            <a:r>
+              <a:rPr lang="ko-KR" altLang="en-US" dirty="0">
+                <a:latin typeface="Consolas" panose="020B0609020204030204" pitchFamily="49" charset="0"/>
+              </a:rPr>
+              <a:t>우선 인라인 주소 삽입 방법은 </a:t>
+            </a:r>
+            <a:r>
+              <a:rPr lang="en-US" altLang="ko-KR" dirty="0">
+                <a:latin typeface="Consolas" panose="020B0609020204030204" pitchFamily="49" charset="0"/>
+              </a:rPr>
+              <a:t>[</a:t>
+            </a:r>
+            <a:r>
+              <a:rPr lang="ko-KR" altLang="en-US" dirty="0">
+                <a:latin typeface="Consolas" panose="020B0609020204030204" pitchFamily="49" charset="0"/>
+              </a:rPr>
+              <a:t>주소에 대한 설명</a:t>
+            </a:r>
+            <a:r>
+              <a:rPr lang="en-US" altLang="ko-KR" dirty="0">
+                <a:latin typeface="Consolas" panose="020B0609020204030204" pitchFamily="49" charset="0"/>
+              </a:rPr>
+              <a:t>](</a:t>
+            </a:r>
+            <a:r>
+              <a:rPr lang="en-US" altLang="ko-KR" u="sng" dirty="0">
+                <a:latin typeface="Consolas" panose="020B0609020204030204" pitchFamily="49" charset="0"/>
+              </a:rPr>
+              <a:t>~~~~~~</a:t>
+            </a:r>
+            <a:r>
+              <a:rPr lang="en-US" altLang="ko-KR" dirty="0">
+                <a:latin typeface="Consolas" panose="020B0609020204030204" pitchFamily="49" charset="0"/>
+              </a:rPr>
+              <a:t>)</a:t>
+            </a:r>
+            <a:r>
+              <a:rPr lang="ko-KR" altLang="en-US" dirty="0" err="1">
+                <a:latin typeface="Consolas" panose="020B0609020204030204" pitchFamily="49" charset="0"/>
+              </a:rPr>
+              <a:t>이런식으로</a:t>
+            </a:r>
+            <a:r>
+              <a:rPr lang="ko-KR" altLang="en-US" dirty="0">
+                <a:latin typeface="Consolas" panose="020B0609020204030204" pitchFamily="49" charset="0"/>
+              </a:rPr>
+              <a:t> 표기하는 방법이고 참조 링크 삽입 방법은 링크 삽입 시 문법으로 </a:t>
+            </a:r>
+            <a:r>
+              <a:rPr lang="en-US" altLang="ko-KR" dirty="0">
+                <a:latin typeface="Consolas" panose="020B0609020204030204" pitchFamily="49" charset="0"/>
+              </a:rPr>
+              <a:t>\[""]\[</a:t>
+            </a:r>
+            <a:r>
+              <a:rPr lang="ko-KR" altLang="en-US" dirty="0">
+                <a:latin typeface="Consolas" panose="020B0609020204030204" pitchFamily="49" charset="0"/>
+              </a:rPr>
+              <a:t>참조 번호</a:t>
+            </a:r>
+            <a:r>
+              <a:rPr lang="en-US" altLang="ko-KR" dirty="0">
+                <a:latin typeface="Consolas" panose="020B0609020204030204" pitchFamily="49" charset="0"/>
+              </a:rPr>
+              <a:t>] </a:t>
+            </a:r>
+            <a:r>
+              <a:rPr lang="ko-KR" altLang="en-US" dirty="0">
+                <a:latin typeface="Consolas" panose="020B0609020204030204" pitchFamily="49" charset="0"/>
+              </a:rPr>
+              <a:t>참조 번호 작성 문법은 </a:t>
+            </a:r>
+            <a:r>
+              <a:rPr lang="en-US" altLang="ko-KR" dirty="0">
+                <a:latin typeface="Consolas" panose="020B0609020204030204" pitchFamily="49" charset="0"/>
+              </a:rPr>
+              <a:t>\[</a:t>
+            </a:r>
+            <a:r>
+              <a:rPr lang="ko-KR" altLang="en-US" dirty="0">
+                <a:latin typeface="Consolas" panose="020B0609020204030204" pitchFamily="49" charset="0"/>
+              </a:rPr>
+              <a:t>참조 번호</a:t>
+            </a:r>
+            <a:r>
+              <a:rPr lang="en-US" altLang="ko-KR" dirty="0">
+                <a:latin typeface="Consolas" panose="020B0609020204030204" pitchFamily="49" charset="0"/>
+              </a:rPr>
+              <a:t>]:</a:t>
+            </a:r>
+            <a:r>
+              <a:rPr lang="ko-KR" altLang="en-US" dirty="0">
+                <a:latin typeface="Consolas" panose="020B0609020204030204" pitchFamily="49" charset="0"/>
+              </a:rPr>
+              <a:t>주소 이다</a:t>
+            </a:r>
+            <a:r>
+              <a:rPr lang="en-US" altLang="ko-KR" dirty="0">
+                <a:latin typeface="Consolas" panose="020B0609020204030204" pitchFamily="49" charset="0"/>
+              </a:rPr>
+              <a:t>.(</a:t>
+            </a:r>
+            <a:r>
+              <a:rPr lang="ko-KR" altLang="en-US" dirty="0">
+                <a:latin typeface="Consolas" panose="020B0609020204030204" pitchFamily="49" charset="0"/>
+              </a:rPr>
+              <a:t>나무위키에서 자주 쓰는 방식으로 </a:t>
+            </a:r>
+            <a:r>
+              <a:rPr lang="ko-KR" altLang="en-US" dirty="0" err="1">
+                <a:latin typeface="Consolas" panose="020B0609020204030204" pitchFamily="49" charset="0"/>
+              </a:rPr>
+              <a:t>알고있음</a:t>
+            </a:r>
+            <a:r>
+              <a:rPr lang="en-US" altLang="ko-KR" dirty="0">
+                <a:latin typeface="Consolas" panose="020B0609020204030204" pitchFamily="49" charset="0"/>
+              </a:rPr>
+              <a:t>.)</a:t>
+            </a:r>
+          </a:p>
+          <a:p>
+            <a:br>
+              <a:rPr lang="en-US" altLang="ko-KR" dirty="0">
+                <a:latin typeface="Consolas" panose="020B0609020204030204" pitchFamily="49" charset="0"/>
+              </a:rPr>
+            </a:br>
+            <a:r>
+              <a:rPr lang="en-US" altLang="ko-KR" dirty="0">
+                <a:latin typeface="Consolas" panose="020B0609020204030204" pitchFamily="49" charset="0"/>
+              </a:rPr>
+              <a:t> </a:t>
+            </a:r>
+            <a:r>
+              <a:rPr lang="ko-KR" altLang="en-US" dirty="0">
+                <a:latin typeface="Consolas" panose="020B0609020204030204" pitchFamily="49" charset="0"/>
+              </a:rPr>
+              <a:t>마지막으로 함축적 링크 사용은 링크 </a:t>
+            </a:r>
+            <a:r>
+              <a:rPr lang="ko-KR" altLang="en-US" dirty="0" err="1">
+                <a:latin typeface="Consolas" panose="020B0609020204030204" pitchFamily="49" charset="0"/>
+              </a:rPr>
+              <a:t>삽입시</a:t>
+            </a:r>
+            <a:r>
+              <a:rPr lang="ko-KR" altLang="en-US" dirty="0">
+                <a:latin typeface="Consolas" panose="020B0609020204030204" pitchFamily="49" charset="0"/>
+              </a:rPr>
+              <a:t> 문법으로 </a:t>
+            </a:r>
+            <a:r>
+              <a:rPr lang="en-US" altLang="ko-KR" dirty="0">
+                <a:latin typeface="Consolas" panose="020B0609020204030204" pitchFamily="49" charset="0"/>
+              </a:rPr>
+              <a:t>[</a:t>
+            </a:r>
+            <a:r>
+              <a:rPr lang="ko-KR" altLang="en-US" dirty="0">
+                <a:latin typeface="Consolas" panose="020B0609020204030204" pitchFamily="49" charset="0"/>
+              </a:rPr>
+              <a:t>참조 이름</a:t>
+            </a:r>
+            <a:r>
+              <a:rPr lang="en-US" altLang="ko-KR" dirty="0">
+                <a:latin typeface="Consolas" panose="020B0609020204030204" pitchFamily="49" charset="0"/>
+              </a:rPr>
+              <a:t>] </a:t>
+            </a:r>
+            <a:r>
+              <a:rPr lang="ko-KR" altLang="en-US" dirty="0">
+                <a:latin typeface="Consolas" panose="020B0609020204030204" pitchFamily="49" charset="0"/>
+              </a:rPr>
+              <a:t>참조이름 작성 문법은 </a:t>
+            </a:r>
+            <a:r>
+              <a:rPr lang="en-US" altLang="ko-KR" dirty="0">
+                <a:latin typeface="Consolas" panose="020B0609020204030204" pitchFamily="49" charset="0"/>
+              </a:rPr>
+              <a:t>[</a:t>
+            </a:r>
+            <a:r>
+              <a:rPr lang="ko-KR" altLang="en-US" dirty="0">
+                <a:latin typeface="Consolas" panose="020B0609020204030204" pitchFamily="49" charset="0"/>
+              </a:rPr>
+              <a:t>참조 이름</a:t>
+            </a:r>
+            <a:r>
+              <a:rPr lang="en-US" altLang="ko-KR" dirty="0">
+                <a:latin typeface="Consolas" panose="020B0609020204030204" pitchFamily="49" charset="0"/>
+              </a:rPr>
+              <a:t>]: </a:t>
+            </a:r>
+            <a:r>
+              <a:rPr lang="ko-KR" altLang="en-US" dirty="0">
+                <a:latin typeface="Consolas" panose="020B0609020204030204" pitchFamily="49" charset="0"/>
+              </a:rPr>
+              <a:t>주소 이다</a:t>
+            </a:r>
+            <a:r>
+              <a:rPr lang="en-US" altLang="ko-KR" dirty="0">
+                <a:latin typeface="Consolas" panose="020B0609020204030204" pitchFamily="49" charset="0"/>
+              </a:rPr>
+              <a:t>. </a:t>
+            </a:r>
+            <a:r>
+              <a:rPr lang="ko-KR" altLang="en-US" dirty="0">
+                <a:latin typeface="Consolas" panose="020B0609020204030204" pitchFamily="49" charset="0"/>
+              </a:rPr>
+              <a:t>사실상 참조링크</a:t>
+            </a:r>
+            <a:r>
+              <a:rPr lang="en-US" altLang="ko-KR" dirty="0">
+                <a:latin typeface="Consolas" panose="020B0609020204030204" pitchFamily="49" charset="0"/>
+              </a:rPr>
+              <a:t>,</a:t>
+            </a:r>
+            <a:r>
+              <a:rPr lang="ko-KR" altLang="en-US" dirty="0">
+                <a:latin typeface="Consolas" panose="020B0609020204030204" pitchFamily="49" charset="0"/>
+              </a:rPr>
+              <a:t>함축적 링크에서 참조 번호</a:t>
+            </a:r>
+            <a:r>
+              <a:rPr lang="en-US" altLang="ko-KR" dirty="0">
+                <a:latin typeface="Consolas" panose="020B0609020204030204" pitchFamily="49" charset="0"/>
+              </a:rPr>
+              <a:t>, </a:t>
+            </a:r>
+            <a:r>
+              <a:rPr lang="ko-KR" altLang="en-US" dirty="0">
+                <a:latin typeface="Consolas" panose="020B0609020204030204" pitchFamily="49" charset="0"/>
+              </a:rPr>
+              <a:t>이름은 글 </a:t>
+            </a:r>
+            <a:r>
+              <a:rPr lang="ko-KR" altLang="en-US" dirty="0" err="1">
+                <a:latin typeface="Consolas" panose="020B0609020204030204" pitchFamily="49" charset="0"/>
+              </a:rPr>
+              <a:t>어디에든</a:t>
+            </a:r>
+            <a:r>
+              <a:rPr lang="ko-KR" altLang="en-US" dirty="0">
+                <a:latin typeface="Consolas" panose="020B0609020204030204" pitchFamily="49" charset="0"/>
+              </a:rPr>
+              <a:t> </a:t>
+            </a:r>
+            <a:r>
+              <a:rPr lang="ko-KR" altLang="en-US" dirty="0" err="1">
+                <a:latin typeface="Consolas" panose="020B0609020204030204" pitchFamily="49" charset="0"/>
+              </a:rPr>
+              <a:t>적어두어도</a:t>
+            </a:r>
+            <a:r>
+              <a:rPr lang="ko-KR" altLang="en-US" dirty="0">
+                <a:latin typeface="Consolas" panose="020B0609020204030204" pitchFamily="49" charset="0"/>
+              </a:rPr>
+              <a:t> 된다</a:t>
+            </a:r>
+            <a:r>
+              <a:rPr lang="en-US" altLang="ko-KR" dirty="0">
+                <a:latin typeface="Consolas" panose="020B0609020204030204" pitchFamily="49" charset="0"/>
+              </a:rPr>
+              <a:t>. URL</a:t>
+            </a:r>
+            <a:r>
+              <a:rPr lang="ko-KR" altLang="en-US" dirty="0">
+                <a:latin typeface="Consolas" panose="020B0609020204030204" pitchFamily="49" charset="0"/>
+              </a:rPr>
+              <a:t>주소만 </a:t>
+            </a:r>
+            <a:r>
+              <a:rPr lang="ko-KR" altLang="en-US" dirty="0" err="1">
+                <a:latin typeface="Consolas" panose="020B0609020204030204" pitchFamily="49" charset="0"/>
+              </a:rPr>
+              <a:t>적을때는</a:t>
+            </a:r>
+            <a:r>
+              <a:rPr lang="ko-KR" altLang="en-US" dirty="0">
+                <a:latin typeface="Consolas" panose="020B0609020204030204" pitchFamily="49" charset="0"/>
+              </a:rPr>
+              <a:t> </a:t>
+            </a:r>
+            <a:r>
+              <a:rPr lang="en-US" altLang="ko-KR" dirty="0">
+                <a:latin typeface="Consolas" panose="020B0609020204030204" pitchFamily="49" charset="0"/>
+              </a:rPr>
+              <a:t>&lt;</a:t>
+            </a:r>
+            <a:r>
+              <a:rPr lang="ko-KR" altLang="en-US" dirty="0">
+                <a:latin typeface="Consolas" panose="020B0609020204030204" pitchFamily="49" charset="0"/>
+              </a:rPr>
+              <a:t>주소</a:t>
+            </a:r>
+            <a:r>
+              <a:rPr lang="en-US" altLang="ko-KR" dirty="0">
+                <a:latin typeface="Consolas" panose="020B0609020204030204" pitchFamily="49" charset="0"/>
+              </a:rPr>
+              <a:t>&gt; </a:t>
+            </a:r>
+            <a:r>
+              <a:rPr lang="ko-KR" altLang="en-US" dirty="0">
+                <a:latin typeface="Consolas" panose="020B0609020204030204" pitchFamily="49" charset="0"/>
+              </a:rPr>
+              <a:t>형태로 작성하면 됨</a:t>
+            </a:r>
+            <a:r>
+              <a:rPr lang="en-US" altLang="ko-KR" dirty="0">
+                <a:latin typeface="Consolas" panose="020B0609020204030204" pitchFamily="49" charset="0"/>
+              </a:rPr>
+              <a:t>. </a:t>
+            </a:r>
+          </a:p>
+          <a:p>
+            <a:br>
+              <a:rPr lang="en-US" altLang="ko-KR" dirty="0">
+                <a:latin typeface="Consolas" panose="020B0609020204030204" pitchFamily="49" charset="0"/>
+              </a:rPr>
+            </a:br>
+            <a:r>
+              <a:rPr lang="en-US" altLang="ko-KR" dirty="0">
+                <a:latin typeface="Consolas" panose="020B0609020204030204" pitchFamily="49" charset="0"/>
+              </a:rPr>
+              <a:t> </a:t>
+            </a:r>
+            <a:r>
+              <a:rPr lang="ko-KR" altLang="en-US" dirty="0" err="1">
+                <a:latin typeface="Consolas" panose="020B0609020204030204" pitchFamily="49" charset="0"/>
+              </a:rPr>
+              <a:t>그림삽입은</a:t>
+            </a:r>
+            <a:r>
+              <a:rPr lang="ko-KR" altLang="en-US" dirty="0">
+                <a:latin typeface="Consolas" panose="020B0609020204030204" pitchFamily="49" charset="0"/>
+              </a:rPr>
+              <a:t> </a:t>
+            </a:r>
+            <a:r>
+              <a:rPr lang="en-US" altLang="ko-KR" dirty="0">
+                <a:latin typeface="Consolas" panose="020B0609020204030204" pitchFamily="49" charset="0"/>
+              </a:rPr>
+              <a:t>html</a:t>
+            </a:r>
+            <a:r>
+              <a:rPr lang="ko-KR" altLang="en-US" dirty="0">
+                <a:latin typeface="Consolas" panose="020B0609020204030204" pitchFamily="49" charset="0"/>
+              </a:rPr>
+              <a:t>보다 더 간단하다</a:t>
+            </a:r>
+            <a:r>
+              <a:rPr lang="en-US" altLang="ko-KR" dirty="0">
+                <a:latin typeface="Consolas" panose="020B0609020204030204" pitchFamily="49" charset="0"/>
+              </a:rPr>
+              <a:t>. html</a:t>
+            </a:r>
+            <a:r>
+              <a:rPr lang="ko-KR" altLang="en-US" dirty="0">
+                <a:latin typeface="Consolas" panose="020B0609020204030204" pitchFamily="49" charset="0"/>
+              </a:rPr>
+              <a:t>로 그림을 삽입하려면 </a:t>
+            </a:r>
+            <a:r>
+              <a:rPr lang="en-US" altLang="ko-KR" dirty="0">
+                <a:latin typeface="Consolas" panose="020B0609020204030204" pitchFamily="49" charset="0"/>
+              </a:rPr>
+              <a:t>&lt;</a:t>
+            </a:r>
+            <a:r>
+              <a:rPr lang="en-US" altLang="ko-KR" dirty="0" err="1">
+                <a:latin typeface="Consolas" panose="020B0609020204030204" pitchFamily="49" charset="0"/>
+              </a:rPr>
+              <a:t>img</a:t>
+            </a:r>
+            <a:r>
+              <a:rPr lang="en-US" altLang="ko-KR" dirty="0">
+                <a:latin typeface="Consolas" panose="020B0609020204030204" pitchFamily="49" charset="0"/>
+              </a:rPr>
+              <a:t> /</a:t>
+            </a:r>
+            <a:r>
+              <a:rPr lang="ko-KR" altLang="en-US" dirty="0">
+                <a:latin typeface="Consolas" panose="020B0609020204030204" pitchFamily="49" charset="0"/>
+              </a:rPr>
+              <a:t>절대 경로 값 </a:t>
             </a:r>
             <a:r>
               <a:rPr lang="en-US" altLang="ko-KR" dirty="0">
@@ -3578,864 +4230,131 @@
               </a:rPr>
               <a:t>&gt;</a:t>
             </a:r>
-          </a:p>
-          <a:p>
-            <a:br>
-              <a:rPr lang="en-US" altLang="ko-KR" dirty="0">
-                <a:latin typeface="Consolas" panose="020B0609020204030204" pitchFamily="49" charset="0"/>
-              </a:rPr>
-            </a:br>
-            <a:r>
-              <a:rPr lang="en-US" altLang="ko-KR" dirty="0">
+            <a:r>
+              <a:rPr lang="ko-KR" altLang="en-US" dirty="0">
                 <a:latin typeface="Consolas" panose="020B0609020204030204" pitchFamily="49" charset="0"/>
               </a:rPr>
               <a:t> </a:t>
             </a:r>
             <a:r>
-              <a:rPr lang="ko-KR" altLang="en-US" dirty="0">
-                <a:latin typeface="Consolas" panose="020B0609020204030204" pitchFamily="49" charset="0"/>
-              </a:rPr>
-              <a:t>바로 변경이 </a:t>
-            </a:r>
-            <a:r>
               <a:rPr lang="ko-KR" altLang="en-US" dirty="0" err="1">
                 <a:latin typeface="Consolas" panose="020B0609020204030204" pitchFamily="49" charset="0"/>
               </a:rPr>
-              <a:t>안될때가</a:t>
-            </a:r>
-            <a:r>
-              <a:rPr lang="ko-KR" altLang="en-US" dirty="0">
-                <a:latin typeface="Consolas" panose="020B0609020204030204" pitchFamily="49" charset="0"/>
-              </a:rPr>
-              <a:t> 있는데 </a:t>
+              <a:t>이런식인대</a:t>
+            </a:r>
+            <a:r>
+              <a:rPr lang="ko-KR" altLang="en-US" dirty="0">
+                <a:latin typeface="Consolas" panose="020B0609020204030204" pitchFamily="49" charset="0"/>
+              </a:rPr>
+              <a:t> </a:t>
+            </a:r>
+            <a:r>
+              <a:rPr lang="en-US" altLang="ko-KR" dirty="0">
+                <a:latin typeface="Consolas" panose="020B0609020204030204" pitchFamily="49" charset="0"/>
+              </a:rPr>
+              <a:t>md</a:t>
+            </a:r>
+            <a:r>
+              <a:rPr lang="ko-KR" altLang="en-US" dirty="0">
+                <a:latin typeface="Consolas" panose="020B0609020204030204" pitchFamily="49" charset="0"/>
+              </a:rPr>
+              <a:t>는 </a:t>
+            </a:r>
+            <a:r>
+              <a:rPr lang="en-US" altLang="ko-KR" dirty="0">
+                <a:latin typeface="Consolas" panose="020B0609020204030204" pitchFamily="49" charset="0"/>
+              </a:rPr>
+              <a:t>![</a:t>
+            </a:r>
+            <a:r>
+              <a:rPr lang="ko-KR" altLang="en-US" dirty="0">
+                <a:latin typeface="Consolas" panose="020B0609020204030204" pitchFamily="49" charset="0"/>
+              </a:rPr>
+              <a:t>캡쳐</a:t>
+            </a:r>
+            <a:r>
+              <a:rPr lang="en-US" altLang="ko-KR" dirty="0">
+                <a:latin typeface="Consolas" panose="020B0609020204030204" pitchFamily="49" charset="0"/>
+              </a:rPr>
+              <a:t>](</a:t>
+            </a:r>
+            <a:r>
+              <a:rPr lang="en-US" altLang="ko-KR" u="sng" dirty="0">
+                <a:latin typeface="Consolas" panose="020B0609020204030204" pitchFamily="49" charset="0"/>
+              </a:rPr>
+              <a:t>./</a:t>
+            </a:r>
+            <a:r>
+              <a:rPr lang="ko-KR" altLang="en-US" u="sng" dirty="0">
+                <a:latin typeface="Consolas" panose="020B0609020204030204" pitchFamily="49" charset="0"/>
+              </a:rPr>
+              <a:t>경로</a:t>
+            </a:r>
+            <a:r>
+              <a:rPr lang="en-US" altLang="ko-KR" dirty="0">
+                <a:latin typeface="Consolas" panose="020B0609020204030204" pitchFamily="49" charset="0"/>
+              </a:rPr>
+              <a:t>) </a:t>
+            </a:r>
+            <a:r>
+              <a:rPr lang="ko-KR" altLang="en-US" dirty="0">
+                <a:latin typeface="Consolas" panose="020B0609020204030204" pitchFamily="49" charset="0"/>
+              </a:rPr>
+              <a:t>만 </a:t>
             </a:r>
             <a:r>
               <a:rPr lang="ko-KR" altLang="en-US" dirty="0" err="1">
                 <a:latin typeface="Consolas" panose="020B0609020204030204" pitchFamily="49" charset="0"/>
               </a:rPr>
-              <a:t>그럴땐</a:t>
-            </a:r>
-            <a:r>
-              <a:rPr lang="ko-KR" altLang="en-US" dirty="0">
-                <a:latin typeface="Consolas" panose="020B0609020204030204" pitchFamily="49" charset="0"/>
-              </a:rPr>
-              <a:t> </a:t>
+              <a:t>해두면</a:t>
+            </a:r>
+            <a:r>
+              <a:rPr lang="ko-KR" altLang="en-US" dirty="0">
+                <a:latin typeface="Consolas" panose="020B0609020204030204" pitchFamily="49" charset="0"/>
+              </a:rPr>
+              <a:t> 된다</a:t>
+            </a:r>
+            <a:r>
+              <a:rPr lang="en-US" altLang="ko-KR" dirty="0">
+                <a:latin typeface="Consolas" panose="020B0609020204030204" pitchFamily="49" charset="0"/>
+              </a:rPr>
+              <a:t>. </a:t>
+            </a:r>
+            <a:r>
+              <a:rPr lang="ko-KR" altLang="en-US" dirty="0">
+                <a:latin typeface="Consolas" panose="020B0609020204030204" pitchFamily="49" charset="0"/>
+              </a:rPr>
+              <a:t>사실상 익숙해지면 </a:t>
+            </a:r>
+            <a:r>
+              <a:rPr lang="en-US" altLang="ko-KR" dirty="0">
+                <a:latin typeface="Consolas" panose="020B0609020204030204" pitchFamily="49" charset="0"/>
+              </a:rPr>
+              <a:t>html</a:t>
+            </a:r>
+            <a:r>
+              <a:rPr lang="ko-KR" altLang="en-US" dirty="0">
+                <a:latin typeface="Consolas" panose="020B0609020204030204" pitchFamily="49" charset="0"/>
+              </a:rPr>
+              <a:t>보다 쉽고 더 빠르게 </a:t>
             </a:r>
             <a:r>
               <a:rPr lang="ko-KR" altLang="en-US" dirty="0" err="1">
                 <a:latin typeface="Consolas" panose="020B0609020204030204" pitchFamily="49" charset="0"/>
               </a:rPr>
-              <a:t>리포지토리에서</a:t>
-            </a:r>
-            <a:r>
-              <a:rPr lang="ko-KR" altLang="en-US" dirty="0">
-                <a:latin typeface="Consolas" panose="020B0609020204030204" pitchFamily="49" charset="0"/>
-              </a:rPr>
-              <a:t> </a:t>
-            </a:r>
-            <a:r>
-              <a:rPr lang="en-US" altLang="ko-KR" dirty="0">
-                <a:latin typeface="Consolas" panose="020B0609020204030204" pitchFamily="49" charset="0"/>
-              </a:rPr>
-              <a:t>docs </a:t>
-            </a:r>
-            <a:r>
-              <a:rPr lang="ko-KR" altLang="en-US" dirty="0">
-                <a:latin typeface="Consolas" panose="020B0609020204030204" pitchFamily="49" charset="0"/>
-              </a:rPr>
-              <a:t>폴더와 필요한 파일을 </a:t>
-            </a:r>
-          </a:p>
-          <a:p>
-            <a:r>
-              <a:rPr lang="ko-KR" altLang="en-US" dirty="0">
-                <a:latin typeface="Consolas" panose="020B0609020204030204" pitchFamily="49" charset="0"/>
-              </a:rPr>
-              <a:t> 구해두고</a:t>
-            </a:r>
-            <a:r>
-              <a:rPr lang="en-US" altLang="ko-KR" dirty="0">
-                <a:latin typeface="Consolas" panose="020B0609020204030204" pitchFamily="49" charset="0"/>
-              </a:rPr>
-              <a:t>(</a:t>
-            </a:r>
-            <a:r>
-              <a:rPr lang="ko-KR" altLang="en-US" dirty="0">
-                <a:latin typeface="Consolas" panose="020B0609020204030204" pitchFamily="49" charset="0"/>
-              </a:rPr>
-              <a:t>혹은 만들고</a:t>
-            </a:r>
-            <a:r>
-              <a:rPr lang="en-US" altLang="ko-KR" dirty="0">
-                <a:latin typeface="Consolas" panose="020B0609020204030204" pitchFamily="49" charset="0"/>
-              </a:rPr>
-              <a:t>) </a:t>
-            </a:r>
-            <a:r>
-              <a:rPr lang="en-US" altLang="ko-KR" dirty="0" err="1">
-                <a:latin typeface="Consolas" panose="020B0609020204030204" pitchFamily="49" charset="0"/>
-              </a:rPr>
-              <a:t>index.md,html</a:t>
-            </a:r>
-            <a:r>
-              <a:rPr lang="en-US" altLang="ko-KR" dirty="0">
-                <a:latin typeface="Consolas" panose="020B0609020204030204" pitchFamily="49" charset="0"/>
-              </a:rPr>
-              <a:t> </a:t>
-            </a:r>
-            <a:r>
-              <a:rPr lang="ko-KR" altLang="en-US" dirty="0">
-                <a:latin typeface="Consolas" panose="020B0609020204030204" pitchFamily="49" charset="0"/>
-              </a:rPr>
-              <a:t>을 만든다 그렇게 하면 기본적으로 </a:t>
-            </a:r>
-            <a:r>
-              <a:rPr lang="en-US" altLang="ko-KR" dirty="0">
-                <a:latin typeface="Consolas" panose="020B0609020204030204" pitchFamily="49" charset="0"/>
-              </a:rPr>
-              <a:t>git</a:t>
-            </a:r>
-            <a:r>
-              <a:rPr lang="ko-KR" altLang="en-US" dirty="0">
-                <a:latin typeface="Consolas" panose="020B0609020204030204" pitchFamily="49" charset="0"/>
-              </a:rPr>
-              <a:t>에게 </a:t>
-            </a:r>
-          </a:p>
-          <a:p>
-            <a:r>
-              <a:rPr lang="ko-KR" altLang="en-US" dirty="0">
-                <a:latin typeface="Consolas" panose="020B0609020204030204" pitchFamily="49" charset="0"/>
-              </a:rPr>
-              <a:t> </a:t>
-            </a:r>
-            <a:r>
-              <a:rPr lang="ko-KR" altLang="en-US" dirty="0" err="1">
-                <a:latin typeface="Consolas" panose="020B0609020204030204" pitchFamily="49" charset="0"/>
-              </a:rPr>
-              <a:t>할당받은</a:t>
-            </a:r>
-            <a:r>
-              <a:rPr lang="ko-KR" altLang="en-US" dirty="0">
-                <a:latin typeface="Consolas" panose="020B0609020204030204" pitchFamily="49" charset="0"/>
-              </a:rPr>
-              <a:t> 사이트에 접속하면 기본 페이지가 나타난다</a:t>
-            </a:r>
-            <a:r>
-              <a:rPr lang="en-US" altLang="ko-KR" dirty="0">
-                <a:latin typeface="Consolas" panose="020B0609020204030204" pitchFamily="49" charset="0"/>
-              </a:rPr>
-              <a:t>.&lt;</a:t>
-            </a:r>
-            <a:r>
-              <a:rPr lang="en-US" altLang="ko-KR" dirty="0" err="1">
-                <a:latin typeface="Consolas" panose="020B0609020204030204" pitchFamily="49" charset="0"/>
-              </a:rPr>
-              <a:t>br</a:t>
-            </a:r>
-            <a:r>
-              <a:rPr lang="en-US" altLang="ko-KR" dirty="0">
-                <a:latin typeface="Consolas" panose="020B0609020204030204" pitchFamily="49" charset="0"/>
-              </a:rPr>
-              <a:t>&gt;</a:t>
-            </a:r>
-          </a:p>
-          <a:p>
-            <a:br>
-              <a:rPr lang="en-US" altLang="ko-KR" dirty="0">
-                <a:latin typeface="Consolas" panose="020B0609020204030204" pitchFamily="49" charset="0"/>
-              </a:rPr>
-            </a:br>
-            <a:r>
-              <a:rPr lang="en-US" altLang="ko-KR" dirty="0">
-                <a:latin typeface="Consolas" panose="020B0609020204030204" pitchFamily="49" charset="0"/>
-              </a:rPr>
-              <a:t> </a:t>
-            </a:r>
-            <a:r>
-              <a:rPr lang="ko-KR" altLang="en-US" dirty="0">
-                <a:latin typeface="Consolas" panose="020B0609020204030204" pitchFamily="49" charset="0"/>
-              </a:rPr>
-              <a:t>기본적인 메인 페이지를 만들었다면 다른 웹 사이트 처럼 이동하며 </a:t>
-            </a:r>
-            <a:r>
-              <a:rPr lang="ko-KR" altLang="en-US" dirty="0" err="1">
-                <a:latin typeface="Consolas" panose="020B0609020204030204" pitchFamily="49" charset="0"/>
-              </a:rPr>
-              <a:t>알아볼수있도록</a:t>
-            </a:r>
-            <a:r>
-              <a:rPr lang="ko-KR" altLang="en-US" dirty="0">
-                <a:latin typeface="Consolas" panose="020B0609020204030204" pitchFamily="49" charset="0"/>
-              </a:rPr>
-              <a:t> </a:t>
-            </a:r>
-          </a:p>
-          <a:p>
-            <a:r>
-              <a:rPr lang="ko-KR" altLang="en-US" dirty="0">
-                <a:latin typeface="Consolas" panose="020B0609020204030204" pitchFamily="49" charset="0"/>
-              </a:rPr>
-              <a:t> 링크를 </a:t>
-            </a:r>
-            <a:r>
-              <a:rPr lang="ko-KR" altLang="en-US" dirty="0" err="1">
-                <a:latin typeface="Consolas" panose="020B0609020204030204" pitchFamily="49" charset="0"/>
-              </a:rPr>
-              <a:t>걸어둔다</a:t>
-            </a:r>
-            <a:r>
-              <a:rPr lang="en-US" altLang="ko-KR" dirty="0">
-                <a:latin typeface="Consolas" panose="020B0609020204030204" pitchFamily="49" charset="0"/>
-              </a:rPr>
-              <a:t>. html </a:t>
-            </a:r>
-            <a:r>
-              <a:rPr lang="ko-KR" altLang="en-US" dirty="0">
-                <a:latin typeface="Consolas" panose="020B0609020204030204" pitchFamily="49" charset="0"/>
-              </a:rPr>
-              <a:t>이라면 </a:t>
-            </a:r>
-            <a:r>
-              <a:rPr lang="en-US" altLang="ko-KR" dirty="0">
-                <a:latin typeface="Consolas" panose="020B0609020204030204" pitchFamily="49" charset="0"/>
-              </a:rPr>
-              <a:t>&lt;a </a:t>
-            </a:r>
-            <a:r>
-              <a:rPr lang="en-US" altLang="ko-KR" dirty="0" err="1">
-                <a:latin typeface="Consolas" panose="020B0609020204030204" pitchFamily="49" charset="0"/>
-              </a:rPr>
-              <a:t>href</a:t>
-            </a:r>
-            <a:r>
-              <a:rPr lang="en-US" altLang="ko-KR" dirty="0">
-                <a:latin typeface="Consolas" panose="020B0609020204030204" pitchFamily="49" charset="0"/>
-              </a:rPr>
-              <a:t> ="~~~~"&gt;""&lt;/a&gt;</a:t>
-            </a:r>
-            <a:r>
-              <a:rPr lang="ko-KR" altLang="en-US" dirty="0">
-                <a:latin typeface="Consolas" panose="020B0609020204030204" pitchFamily="49" charset="0"/>
-              </a:rPr>
-              <a:t>로 링크를 걸어 </a:t>
-            </a:r>
-          </a:p>
-          <a:p>
-            <a:r>
-              <a:rPr lang="ko-KR" altLang="en-US" dirty="0">
-                <a:latin typeface="Consolas" panose="020B0609020204030204" pitchFamily="49" charset="0"/>
-              </a:rPr>
-              <a:t> </a:t>
-            </a:r>
-            <a:r>
-              <a:rPr lang="ko-KR" altLang="en-US" dirty="0" err="1">
-                <a:latin typeface="Consolas" panose="020B0609020204030204" pitchFamily="49" charset="0"/>
-              </a:rPr>
-              <a:t>이동할수있지만</a:t>
-            </a:r>
-            <a:r>
-              <a:rPr lang="ko-KR" altLang="en-US" dirty="0">
-                <a:latin typeface="Consolas" panose="020B0609020204030204" pitchFamily="49" charset="0"/>
-              </a:rPr>
-              <a:t> </a:t>
-            </a:r>
-            <a:r>
-              <a:rPr lang="en-US" altLang="ko-KR" dirty="0">
-                <a:latin typeface="Consolas" panose="020B0609020204030204" pitchFamily="49" charset="0"/>
-              </a:rPr>
-              <a:t>md</a:t>
-            </a:r>
-            <a:r>
-              <a:rPr lang="ko-KR" altLang="en-US" dirty="0">
-                <a:latin typeface="Consolas" panose="020B0609020204030204" pitchFamily="49" charset="0"/>
-              </a:rPr>
-              <a:t>는 인라인 주소 삽입 방법과 참조 링크 삽입 방법 함축적 링크 사용 방법이 있다</a:t>
-            </a:r>
-            <a:r>
-              <a:rPr lang="en-US" altLang="ko-KR" dirty="0">
-                <a:latin typeface="Consolas" panose="020B0609020204030204" pitchFamily="49" charset="0"/>
-              </a:rPr>
-              <a:t>.&lt;</a:t>
-            </a:r>
-            <a:r>
-              <a:rPr lang="en-US" altLang="ko-KR" dirty="0" err="1">
-                <a:latin typeface="Consolas" panose="020B0609020204030204" pitchFamily="49" charset="0"/>
-              </a:rPr>
-              <a:t>br</a:t>
-            </a:r>
-            <a:r>
-              <a:rPr lang="en-US" altLang="ko-KR" dirty="0">
-                <a:latin typeface="Consolas" panose="020B0609020204030204" pitchFamily="49" charset="0"/>
-              </a:rPr>
-              <a:t>&gt;</a:t>
-            </a:r>
-          </a:p>
-          <a:p>
-            <a:br>
-              <a:rPr lang="en-US" altLang="ko-KR" dirty="0">
-                <a:latin typeface="Consolas" panose="020B0609020204030204" pitchFamily="49" charset="0"/>
-              </a:rPr>
-            </a:br>
-            <a:r>
-              <a:rPr lang="en-US" altLang="ko-KR" dirty="0">
-                <a:latin typeface="Consolas" panose="020B0609020204030204" pitchFamily="49" charset="0"/>
-              </a:rPr>
-              <a:t> </a:t>
-            </a:r>
-            <a:r>
-              <a:rPr lang="ko-KR" altLang="en-US" dirty="0">
-                <a:latin typeface="Consolas" panose="020B0609020204030204" pitchFamily="49" charset="0"/>
-              </a:rPr>
-              <a:t>우선 인라인 주소 삽입 방법은 </a:t>
-            </a:r>
-            <a:r>
-              <a:rPr lang="en-US" altLang="ko-KR" dirty="0">
-                <a:latin typeface="Consolas" panose="020B0609020204030204" pitchFamily="49" charset="0"/>
-              </a:rPr>
-              <a:t>[</a:t>
-            </a:r>
-            <a:r>
-              <a:rPr lang="ko-KR" altLang="en-US" dirty="0">
-                <a:latin typeface="Consolas" panose="020B0609020204030204" pitchFamily="49" charset="0"/>
-              </a:rPr>
-              <a:t>주소에 대한 설명</a:t>
-            </a:r>
-            <a:r>
-              <a:rPr lang="en-US" altLang="ko-KR" dirty="0">
-                <a:latin typeface="Consolas" panose="020B0609020204030204" pitchFamily="49" charset="0"/>
-              </a:rPr>
-              <a:t>](</a:t>
-            </a:r>
-            <a:r>
-              <a:rPr lang="en-US" altLang="ko-KR" u="sng" dirty="0">
-                <a:latin typeface="Consolas" panose="020B0609020204030204" pitchFamily="49" charset="0"/>
-              </a:rPr>
-              <a:t>~~~~~~</a:t>
-            </a:r>
-            <a:r>
-              <a:rPr lang="en-US" altLang="ko-KR" dirty="0">
-                <a:latin typeface="Consolas" panose="020B0609020204030204" pitchFamily="49" charset="0"/>
-              </a:rPr>
-              <a:t>)</a:t>
-            </a:r>
-            <a:r>
-              <a:rPr lang="ko-KR" altLang="en-US" dirty="0" err="1">
-                <a:latin typeface="Consolas" panose="020B0609020204030204" pitchFamily="49" charset="0"/>
-              </a:rPr>
-              <a:t>이런식으로</a:t>
-            </a:r>
-            <a:r>
-              <a:rPr lang="ko-KR" altLang="en-US" dirty="0">
-                <a:latin typeface="Consolas" panose="020B0609020204030204" pitchFamily="49" charset="0"/>
-              </a:rPr>
-              <a:t> 표기하는 방법이고 참조 링크 삽입 방법은 링크 삽입 시 문법으로 </a:t>
-            </a:r>
-            <a:r>
-              <a:rPr lang="en-US" altLang="ko-KR" dirty="0">
-                <a:latin typeface="Consolas" panose="020B0609020204030204" pitchFamily="49" charset="0"/>
-              </a:rPr>
-              <a:t>\[""]\[</a:t>
-            </a:r>
-            <a:r>
-              <a:rPr lang="ko-KR" altLang="en-US" dirty="0">
-                <a:latin typeface="Consolas" panose="020B0609020204030204" pitchFamily="49" charset="0"/>
-              </a:rPr>
-              <a:t>참조 번호</a:t>
-            </a:r>
-            <a:r>
-              <a:rPr lang="en-US" altLang="ko-KR" dirty="0">
-                <a:latin typeface="Consolas" panose="020B0609020204030204" pitchFamily="49" charset="0"/>
-              </a:rPr>
-              <a:t>] </a:t>
-            </a:r>
-            <a:r>
-              <a:rPr lang="ko-KR" altLang="en-US" dirty="0">
-                <a:latin typeface="Consolas" panose="020B0609020204030204" pitchFamily="49" charset="0"/>
-              </a:rPr>
-              <a:t>참조 번호 작성 문법은 </a:t>
-            </a:r>
-            <a:r>
-              <a:rPr lang="en-US" altLang="ko-KR" dirty="0">
-                <a:latin typeface="Consolas" panose="020B0609020204030204" pitchFamily="49" charset="0"/>
-              </a:rPr>
-              <a:t>\[</a:t>
-            </a:r>
-            <a:r>
-              <a:rPr lang="ko-KR" altLang="en-US" dirty="0">
-                <a:latin typeface="Consolas" panose="020B0609020204030204" pitchFamily="49" charset="0"/>
-              </a:rPr>
-              <a:t>참조 번호</a:t>
-            </a:r>
-            <a:r>
-              <a:rPr lang="en-US" altLang="ko-KR" dirty="0">
-                <a:latin typeface="Consolas" panose="020B0609020204030204" pitchFamily="49" charset="0"/>
-              </a:rPr>
-              <a:t>]:</a:t>
-            </a:r>
-            <a:r>
-              <a:rPr lang="ko-KR" altLang="en-US" dirty="0">
-                <a:latin typeface="Consolas" panose="020B0609020204030204" pitchFamily="49" charset="0"/>
-              </a:rPr>
-              <a:t>주소 이다</a:t>
-            </a:r>
-            <a:r>
-              <a:rPr lang="en-US" altLang="ko-KR" dirty="0">
-                <a:latin typeface="Consolas" panose="020B0609020204030204" pitchFamily="49" charset="0"/>
-              </a:rPr>
-              <a:t>.(</a:t>
-            </a:r>
-            <a:r>
-              <a:rPr lang="ko-KR" altLang="en-US" dirty="0">
-                <a:latin typeface="Consolas" panose="020B0609020204030204" pitchFamily="49" charset="0"/>
-              </a:rPr>
-              <a:t>나무위키에서 자주 쓰는 방식으로 </a:t>
-            </a:r>
-            <a:r>
-              <a:rPr lang="ko-KR" altLang="en-US" dirty="0" err="1">
-                <a:latin typeface="Consolas" panose="020B0609020204030204" pitchFamily="49" charset="0"/>
-              </a:rPr>
-              <a:t>알고있음</a:t>
-            </a:r>
-            <a:r>
-              <a:rPr lang="en-US" altLang="ko-KR" dirty="0">
-                <a:latin typeface="Consolas" panose="020B0609020204030204" pitchFamily="49" charset="0"/>
-              </a:rPr>
-              <a:t>.)&lt;</a:t>
-            </a:r>
-            <a:r>
-              <a:rPr lang="en-US" altLang="ko-KR" dirty="0" err="1">
-                <a:latin typeface="Consolas" panose="020B0609020204030204" pitchFamily="49" charset="0"/>
-              </a:rPr>
-              <a:t>br</a:t>
-            </a:r>
-            <a:r>
-              <a:rPr lang="en-US" altLang="ko-KR" dirty="0">
-                <a:latin typeface="Consolas" panose="020B0609020204030204" pitchFamily="49" charset="0"/>
-              </a:rPr>
-              <a:t>&gt;</a:t>
-            </a:r>
-          </a:p>
-          <a:p>
-            <a:br>
-              <a:rPr lang="en-US" altLang="ko-KR" dirty="0">
-                <a:latin typeface="Consolas" panose="020B0609020204030204" pitchFamily="49" charset="0"/>
-              </a:rPr>
-            </a:br>
-            <a:r>
-              <a:rPr lang="en-US" altLang="ko-KR" dirty="0">
-                <a:latin typeface="Consolas" panose="020B0609020204030204" pitchFamily="49" charset="0"/>
-              </a:rPr>
-              <a:t> </a:t>
-            </a:r>
-            <a:r>
-              <a:rPr lang="ko-KR" altLang="en-US" dirty="0">
-                <a:latin typeface="Consolas" panose="020B0609020204030204" pitchFamily="49" charset="0"/>
-              </a:rPr>
-              <a:t>마지막으로 함축적 링크 사용은 링크 </a:t>
-            </a:r>
-            <a:r>
-              <a:rPr lang="ko-KR" altLang="en-US" dirty="0" err="1">
-                <a:latin typeface="Consolas" panose="020B0609020204030204" pitchFamily="49" charset="0"/>
-              </a:rPr>
-              <a:t>삽입시</a:t>
-            </a:r>
-            <a:r>
-              <a:rPr lang="ko-KR" altLang="en-US" dirty="0">
-                <a:latin typeface="Consolas" panose="020B0609020204030204" pitchFamily="49" charset="0"/>
-              </a:rPr>
-              <a:t> 문법으로 </a:t>
-            </a:r>
-            <a:r>
-              <a:rPr lang="en-US" altLang="ko-KR" dirty="0">
-                <a:latin typeface="Consolas" panose="020B0609020204030204" pitchFamily="49" charset="0"/>
-              </a:rPr>
-              <a:t>[</a:t>
-            </a:r>
-            <a:r>
-              <a:rPr lang="ko-KR" altLang="en-US" dirty="0">
-                <a:latin typeface="Consolas" panose="020B0609020204030204" pitchFamily="49" charset="0"/>
-              </a:rPr>
-              <a:t>참조 이름</a:t>
-            </a:r>
-            <a:r>
-              <a:rPr lang="en-US" altLang="ko-KR" dirty="0">
-                <a:latin typeface="Consolas" panose="020B0609020204030204" pitchFamily="49" charset="0"/>
-              </a:rPr>
-              <a:t>] </a:t>
-            </a:r>
-            <a:r>
-              <a:rPr lang="ko-KR" altLang="en-US" dirty="0">
-                <a:latin typeface="Consolas" panose="020B0609020204030204" pitchFamily="49" charset="0"/>
-              </a:rPr>
-              <a:t>참조이름 작성 문법은 </a:t>
-            </a:r>
-            <a:r>
-              <a:rPr lang="en-US" altLang="ko-KR" dirty="0">
-                <a:latin typeface="Consolas" panose="020B0609020204030204" pitchFamily="49" charset="0"/>
-              </a:rPr>
-              <a:t>[</a:t>
-            </a:r>
-            <a:r>
-              <a:rPr lang="ko-KR" altLang="en-US" dirty="0">
-                <a:latin typeface="Consolas" panose="020B0609020204030204" pitchFamily="49" charset="0"/>
-              </a:rPr>
-              <a:t>참조 이름</a:t>
-            </a:r>
-            <a:r>
-              <a:rPr lang="en-US" altLang="ko-KR" dirty="0">
-                <a:latin typeface="Consolas" panose="020B0609020204030204" pitchFamily="49" charset="0"/>
-              </a:rPr>
-              <a:t>]: </a:t>
-            </a:r>
-            <a:r>
-              <a:rPr lang="ko-KR" altLang="en-US" dirty="0">
-                <a:latin typeface="Consolas" panose="020B0609020204030204" pitchFamily="49" charset="0"/>
-              </a:rPr>
-              <a:t>주소 이다</a:t>
-            </a:r>
-            <a:r>
-              <a:rPr lang="en-US" altLang="ko-KR" dirty="0">
-                <a:latin typeface="Consolas" panose="020B0609020204030204" pitchFamily="49" charset="0"/>
-              </a:rPr>
-              <a:t>. </a:t>
-            </a:r>
-            <a:r>
-              <a:rPr lang="ko-KR" altLang="en-US" dirty="0">
-                <a:latin typeface="Consolas" panose="020B0609020204030204" pitchFamily="49" charset="0"/>
-              </a:rPr>
-              <a:t>사실상 참조링크</a:t>
-            </a:r>
-            <a:r>
-              <a:rPr lang="en-US" altLang="ko-KR" dirty="0">
-                <a:latin typeface="Consolas" panose="020B0609020204030204" pitchFamily="49" charset="0"/>
-              </a:rPr>
-              <a:t>,</a:t>
-            </a:r>
-            <a:r>
-              <a:rPr lang="ko-KR" altLang="en-US" dirty="0">
-                <a:latin typeface="Consolas" panose="020B0609020204030204" pitchFamily="49" charset="0"/>
-              </a:rPr>
-              <a:t>함축적 링크에서 참조 번호</a:t>
-            </a:r>
-            <a:r>
-              <a:rPr lang="en-US" altLang="ko-KR" dirty="0">
-                <a:latin typeface="Consolas" panose="020B0609020204030204" pitchFamily="49" charset="0"/>
-              </a:rPr>
-              <a:t>, </a:t>
-            </a:r>
-            <a:r>
-              <a:rPr lang="ko-KR" altLang="en-US" dirty="0">
-                <a:latin typeface="Consolas" panose="020B0609020204030204" pitchFamily="49" charset="0"/>
-              </a:rPr>
-              <a:t>이름은 글 </a:t>
-            </a:r>
-            <a:r>
-              <a:rPr lang="ko-KR" altLang="en-US" dirty="0" err="1">
-                <a:latin typeface="Consolas" panose="020B0609020204030204" pitchFamily="49" charset="0"/>
-              </a:rPr>
-              <a:t>어디에든</a:t>
-            </a:r>
-            <a:r>
-              <a:rPr lang="ko-KR" altLang="en-US" dirty="0">
-                <a:latin typeface="Consolas" panose="020B0609020204030204" pitchFamily="49" charset="0"/>
-              </a:rPr>
-              <a:t> </a:t>
-            </a:r>
-            <a:r>
-              <a:rPr lang="ko-KR" altLang="en-US" dirty="0" err="1">
-                <a:latin typeface="Consolas" panose="020B0609020204030204" pitchFamily="49" charset="0"/>
-              </a:rPr>
-              <a:t>적어두어도</a:t>
-            </a:r>
-            <a:r>
-              <a:rPr lang="ko-KR" altLang="en-US" dirty="0">
-                <a:latin typeface="Consolas" panose="020B0609020204030204" pitchFamily="49" charset="0"/>
-              </a:rPr>
-              <a:t> 된다</a:t>
-            </a:r>
-            <a:r>
-              <a:rPr lang="en-US" altLang="ko-KR" dirty="0">
-                <a:latin typeface="Consolas" panose="020B0609020204030204" pitchFamily="49" charset="0"/>
-              </a:rPr>
-              <a:t>. URL</a:t>
-            </a:r>
-            <a:r>
-              <a:rPr lang="ko-KR" altLang="en-US" dirty="0">
-                <a:latin typeface="Consolas" panose="020B0609020204030204" pitchFamily="49" charset="0"/>
-              </a:rPr>
-              <a:t>주소만 </a:t>
-            </a:r>
-            <a:r>
-              <a:rPr lang="ko-KR" altLang="en-US" dirty="0" err="1">
-                <a:latin typeface="Consolas" panose="020B0609020204030204" pitchFamily="49" charset="0"/>
-              </a:rPr>
-              <a:t>적을때는</a:t>
-            </a:r>
-            <a:r>
-              <a:rPr lang="ko-KR" altLang="en-US" dirty="0">
-                <a:latin typeface="Consolas" panose="020B0609020204030204" pitchFamily="49" charset="0"/>
-              </a:rPr>
-              <a:t> </a:t>
-            </a:r>
-            <a:r>
-              <a:rPr lang="en-US" altLang="ko-KR" dirty="0">
-                <a:latin typeface="Consolas" panose="020B0609020204030204" pitchFamily="49" charset="0"/>
-              </a:rPr>
-              <a:t>&lt;</a:t>
-            </a:r>
-            <a:r>
-              <a:rPr lang="ko-KR" altLang="en-US" dirty="0">
-                <a:latin typeface="Consolas" panose="020B0609020204030204" pitchFamily="49" charset="0"/>
-              </a:rPr>
-              <a:t>주소</a:t>
-            </a:r>
-            <a:r>
-              <a:rPr lang="en-US" altLang="ko-KR" dirty="0">
-                <a:latin typeface="Consolas" panose="020B0609020204030204" pitchFamily="49" charset="0"/>
-              </a:rPr>
-              <a:t>&gt; </a:t>
-            </a:r>
-            <a:r>
-              <a:rPr lang="ko-KR" altLang="en-US" dirty="0">
-                <a:latin typeface="Consolas" panose="020B0609020204030204" pitchFamily="49" charset="0"/>
-              </a:rPr>
-              <a:t>형태로 작성하면 됨</a:t>
+              <a:t>익히는것이</a:t>
+            </a:r>
+            <a:r>
+              <a:rPr lang="ko-KR" altLang="en-US" dirty="0">
+                <a:latin typeface="Consolas" panose="020B0609020204030204" pitchFamily="49" charset="0"/>
+              </a:rPr>
+              <a:t> 가능하다</a:t>
             </a:r>
             <a:r>
               <a:rPr lang="en-US" altLang="ko-KR" dirty="0">
                 <a:latin typeface="Consolas" panose="020B0609020204030204" pitchFamily="49" charset="0"/>
               </a:rPr>
               <a:t>. &lt;</a:t>
-            </a:r>
-            <a:r>
-              <a:rPr lang="en-US" altLang="ko-KR" dirty="0" err="1">
-                <a:latin typeface="Consolas" panose="020B0609020204030204" pitchFamily="49" charset="0"/>
-              </a:rPr>
-              <a:t>br</a:t>
-            </a:r>
-            <a:r>
-              <a:rPr lang="en-US" altLang="ko-KR" dirty="0">
-                <a:latin typeface="Consolas" panose="020B0609020204030204" pitchFamily="49" charset="0"/>
-              </a:rPr>
-              <a:t>&gt;</a:t>
-            </a:r>
-          </a:p>
-          <a:p>
-            <a:br>
-              <a:rPr lang="en-US" altLang="ko-KR" dirty="0">
-                <a:latin typeface="Consolas" panose="020B0609020204030204" pitchFamily="49" charset="0"/>
-              </a:rPr>
-            </a:br>
-            <a:r>
-              <a:rPr lang="en-US" altLang="ko-KR" dirty="0">
-                <a:latin typeface="Consolas" panose="020B0609020204030204" pitchFamily="49" charset="0"/>
-              </a:rPr>
-              <a:t> </a:t>
-            </a:r>
-            <a:r>
-              <a:rPr lang="ko-KR" altLang="en-US" dirty="0" err="1">
-                <a:latin typeface="Consolas" panose="020B0609020204030204" pitchFamily="49" charset="0"/>
-              </a:rPr>
-              <a:t>그림삽입은</a:t>
-            </a:r>
-            <a:r>
-              <a:rPr lang="ko-KR" altLang="en-US" dirty="0">
-                <a:latin typeface="Consolas" panose="020B0609020204030204" pitchFamily="49" charset="0"/>
-              </a:rPr>
-              <a:t> </a:t>
-            </a:r>
-            <a:r>
-              <a:rPr lang="en-US" altLang="ko-KR" dirty="0">
-                <a:latin typeface="Consolas" panose="020B0609020204030204" pitchFamily="49" charset="0"/>
-              </a:rPr>
-              <a:t>html</a:t>
-            </a:r>
-            <a:r>
-              <a:rPr lang="ko-KR" altLang="en-US" dirty="0">
-                <a:latin typeface="Consolas" panose="020B0609020204030204" pitchFamily="49" charset="0"/>
-              </a:rPr>
-              <a:t>보다 더 간단하다</a:t>
-            </a:r>
-            <a:r>
-              <a:rPr lang="en-US" altLang="ko-KR" dirty="0">
-                <a:latin typeface="Consolas" panose="020B0609020204030204" pitchFamily="49" charset="0"/>
-              </a:rPr>
-              <a:t>. html</a:t>
-            </a:r>
-            <a:r>
-              <a:rPr lang="ko-KR" altLang="en-US" dirty="0">
-                <a:latin typeface="Consolas" panose="020B0609020204030204" pitchFamily="49" charset="0"/>
-              </a:rPr>
-              <a:t>로 그림을 삽입하려면 </a:t>
-            </a:r>
-            <a:r>
-              <a:rPr lang="en-US" altLang="ko-KR" dirty="0">
-                <a:latin typeface="Consolas" panose="020B0609020204030204" pitchFamily="49" charset="0"/>
-              </a:rPr>
-              <a:t>&lt;</a:t>
-            </a:r>
-            <a:r>
-              <a:rPr lang="en-US" altLang="ko-KR" dirty="0" err="1">
-                <a:latin typeface="Consolas" panose="020B0609020204030204" pitchFamily="49" charset="0"/>
-              </a:rPr>
-              <a:t>img</a:t>
-            </a:r>
-            <a:r>
-              <a:rPr lang="en-US" altLang="ko-KR" dirty="0">
-                <a:latin typeface="Consolas" panose="020B0609020204030204" pitchFamily="49" charset="0"/>
-              </a:rPr>
-              <a:t> /</a:t>
-            </a:r>
-            <a:r>
-              <a:rPr lang="ko-KR" altLang="en-US" dirty="0">
-                <a:latin typeface="Consolas" panose="020B0609020204030204" pitchFamily="49" charset="0"/>
-              </a:rPr>
-              <a:t>절대 경로 값 </a:t>
-            </a:r>
-            <a:r>
-              <a:rPr lang="en-US" altLang="ko-KR" dirty="0">
-                <a:latin typeface="Consolas" panose="020B0609020204030204" pitchFamily="49" charset="0"/>
-              </a:rPr>
-              <a:t>&gt;</a:t>
-            </a:r>
-            <a:r>
-              <a:rPr lang="ko-KR" altLang="en-US" dirty="0">
-                <a:latin typeface="Consolas" panose="020B0609020204030204" pitchFamily="49" charset="0"/>
-              </a:rPr>
-              <a:t> </a:t>
-            </a:r>
-            <a:r>
-              <a:rPr lang="ko-KR" altLang="en-US" dirty="0" err="1">
-                <a:latin typeface="Consolas" panose="020B0609020204030204" pitchFamily="49" charset="0"/>
-              </a:rPr>
-              <a:t>이런식인대</a:t>
-            </a:r>
-            <a:r>
-              <a:rPr lang="ko-KR" altLang="en-US" dirty="0">
-                <a:latin typeface="Consolas" panose="020B0609020204030204" pitchFamily="49" charset="0"/>
-              </a:rPr>
-              <a:t> </a:t>
-            </a:r>
-            <a:r>
-              <a:rPr lang="en-US" altLang="ko-KR" dirty="0">
-                <a:latin typeface="Consolas" panose="020B0609020204030204" pitchFamily="49" charset="0"/>
-              </a:rPr>
-              <a:t>md</a:t>
-            </a:r>
-            <a:r>
-              <a:rPr lang="ko-KR" altLang="en-US" dirty="0">
-                <a:latin typeface="Consolas" panose="020B0609020204030204" pitchFamily="49" charset="0"/>
-              </a:rPr>
-              <a:t>는 </a:t>
-            </a:r>
-            <a:r>
-              <a:rPr lang="en-US" altLang="ko-KR" dirty="0">
-                <a:latin typeface="Consolas" panose="020B0609020204030204" pitchFamily="49" charset="0"/>
-              </a:rPr>
-              <a:t>![</a:t>
-            </a:r>
-            <a:r>
-              <a:rPr lang="ko-KR" altLang="en-US" dirty="0">
-                <a:latin typeface="Consolas" panose="020B0609020204030204" pitchFamily="49" charset="0"/>
-              </a:rPr>
-              <a:t>캡쳐</a:t>
-            </a:r>
-            <a:r>
-              <a:rPr lang="en-US" altLang="ko-KR" dirty="0">
-                <a:latin typeface="Consolas" panose="020B0609020204030204" pitchFamily="49" charset="0"/>
-              </a:rPr>
-              <a:t>](</a:t>
-            </a:r>
-            <a:r>
-              <a:rPr lang="en-US" altLang="ko-KR" u="sng" dirty="0">
-                <a:latin typeface="Consolas" panose="020B0609020204030204" pitchFamily="49" charset="0"/>
-              </a:rPr>
-              <a:t>./</a:t>
-            </a:r>
-            <a:r>
-              <a:rPr lang="ko-KR" altLang="en-US" u="sng" dirty="0">
-                <a:latin typeface="Consolas" panose="020B0609020204030204" pitchFamily="49" charset="0"/>
-              </a:rPr>
-              <a:t>경로</a:t>
-            </a:r>
-            <a:r>
-              <a:rPr lang="en-US" altLang="ko-KR" dirty="0">
-                <a:latin typeface="Consolas" panose="020B0609020204030204" pitchFamily="49" charset="0"/>
-              </a:rPr>
-              <a:t>) </a:t>
-            </a:r>
-            <a:r>
-              <a:rPr lang="ko-KR" altLang="en-US" dirty="0">
-                <a:latin typeface="Consolas" panose="020B0609020204030204" pitchFamily="49" charset="0"/>
-              </a:rPr>
-              <a:t>만 </a:t>
-            </a:r>
-            <a:r>
-              <a:rPr lang="ko-KR" altLang="en-US" dirty="0" err="1">
-                <a:latin typeface="Consolas" panose="020B0609020204030204" pitchFamily="49" charset="0"/>
-              </a:rPr>
-              <a:t>해두면</a:t>
-            </a:r>
-            <a:r>
-              <a:rPr lang="ko-KR" altLang="en-US" dirty="0">
-                <a:latin typeface="Consolas" panose="020B0609020204030204" pitchFamily="49" charset="0"/>
-              </a:rPr>
-              <a:t> 된다</a:t>
-            </a:r>
-            <a:r>
-              <a:rPr lang="en-US" altLang="ko-KR" dirty="0">
-                <a:latin typeface="Consolas" panose="020B0609020204030204" pitchFamily="49" charset="0"/>
-              </a:rPr>
-              <a:t>. </a:t>
-            </a:r>
-            <a:r>
-              <a:rPr lang="ko-KR" altLang="en-US" dirty="0">
-                <a:latin typeface="Consolas" panose="020B0609020204030204" pitchFamily="49" charset="0"/>
-              </a:rPr>
-              <a:t>사실상 익숙해지면 </a:t>
-            </a:r>
-            <a:r>
-              <a:rPr lang="en-US" altLang="ko-KR" dirty="0">
-                <a:latin typeface="Consolas" panose="020B0609020204030204" pitchFamily="49" charset="0"/>
-              </a:rPr>
-              <a:t>html</a:t>
-            </a:r>
-            <a:r>
-              <a:rPr lang="ko-KR" altLang="en-US" dirty="0">
-                <a:latin typeface="Consolas" panose="020B0609020204030204" pitchFamily="49" charset="0"/>
-              </a:rPr>
-              <a:t>보다 쉽고 더 빠르게 </a:t>
-            </a:r>
-            <a:r>
-              <a:rPr lang="ko-KR" altLang="en-US" dirty="0" err="1">
-                <a:latin typeface="Consolas" panose="020B0609020204030204" pitchFamily="49" charset="0"/>
-              </a:rPr>
-              <a:t>익히는것이</a:t>
-            </a:r>
-            <a:r>
-              <a:rPr lang="ko-KR" altLang="en-US" dirty="0">
-                <a:latin typeface="Consolas" panose="020B0609020204030204" pitchFamily="49" charset="0"/>
-              </a:rPr>
-              <a:t> 가능하다</a:t>
-            </a:r>
-            <a:r>
-              <a:rPr lang="en-US" altLang="ko-KR" dirty="0">
-                <a:latin typeface="Consolas" panose="020B0609020204030204" pitchFamily="49" charset="0"/>
-              </a:rPr>
-              <a:t>. &lt;</a:t>
-            </a:r>
-            <a:r>
-              <a:rPr lang="en-US" altLang="ko-KR" dirty="0" err="1">
-                <a:latin typeface="Consolas" panose="020B0609020204030204" pitchFamily="49" charset="0"/>
-              </a:rPr>
-              <a:t>br</a:t>
-            </a:r>
-            <a:r>
-              <a:rPr lang="en-US" altLang="ko-KR" dirty="0">
-                <a:latin typeface="Consolas" panose="020B0609020204030204" pitchFamily="49" charset="0"/>
-              </a:rPr>
-              <a:t>&gt;</a:t>
             </a:r>
           </a:p>
           <a:p>
@@ -4488,7 +4407,7 @@
         <p:spPr>
           <a:xfrm>
             <a:off x="0" y="0"/>
-            <a:ext cx="12192000" cy="9510296"/>
+            <a:ext cx="12192000" cy="6740307"/>
           </a:xfrm>
           <a:prstGeom prst="rect">
             <a:avLst/>
@@ -4691,43 +4610,29 @@
               <a:rPr lang="en-US" altLang="ko-KR" dirty="0">
                 <a:latin typeface="Consolas" panose="020B0609020204030204" pitchFamily="49" charset="0"/>
               </a:rPr>
-              <a:t>. &lt;</a:t>
+              <a:t>. </a:t>
+            </a:r>
+            <a:br>
+              <a:rPr lang="en-US" altLang="ko-KR" dirty="0">
+                <a:latin typeface="Consolas" panose="020B0609020204030204" pitchFamily="49" charset="0"/>
+              </a:rPr>
+            </a:br>
+            <a:r>
+              <a:rPr lang="en-US" altLang="ko-KR" dirty="0">
+                <a:latin typeface="Consolas" panose="020B0609020204030204" pitchFamily="49" charset="0"/>
+              </a:rPr>
+              <a:t> html </a:t>
+            </a:r>
+            <a:r>
+              <a:rPr lang="ko-KR" altLang="en-US" dirty="0">
+                <a:latin typeface="Consolas" panose="020B0609020204030204" pitchFamily="49" charset="0"/>
+              </a:rPr>
+              <a:t>제목은 보통 </a:t>
             </a:r>
             <a:r>
               <a:rPr lang="en-US" altLang="ko-KR" dirty="0" err="1">
                 <a:latin typeface="Consolas" panose="020B0609020204030204" pitchFamily="49" charset="0"/>
               </a:rPr>
-              <a:t>br</a:t>
-            </a:r>
-            <a:r>
-              <a:rPr lang="en-US" altLang="ko-KR" dirty="0">
-                <a:latin typeface="Consolas" panose="020B0609020204030204" pitchFamily="49" charset="0"/>
-              </a:rPr>
-              <a:t>&gt;</a:t>
-            </a:r>
-          </a:p>
-          <a:p>
-            <a:br>
-              <a:rPr lang="en-US" altLang="ko-KR" dirty="0">
-                <a:latin typeface="Consolas" panose="020B0609020204030204" pitchFamily="49" charset="0"/>
-              </a:rPr>
-            </a:br>
-            <a:r>
-              <a:rPr lang="en-US" altLang="ko-KR" dirty="0">
-                <a:latin typeface="Consolas" panose="020B0609020204030204" pitchFamily="49" charset="0"/>
-              </a:rPr>
-              <a:t> html </a:t>
-            </a:r>
-            <a:r>
-              <a:rPr lang="ko-KR" altLang="en-US" dirty="0">
-                <a:latin typeface="Consolas" panose="020B0609020204030204" pitchFamily="49" charset="0"/>
-              </a:rPr>
-              <a:t>제목은 보통 </a:t>
-            </a:r>
-            <a:r>
-              <a:rPr lang="en-US" altLang="ko-KR" dirty="0" err="1">
-                <a:latin typeface="Consolas" panose="020B0609020204030204" pitchFamily="49" charset="0"/>
-              </a:rPr>
               <a:t>hr</a:t>
             </a:r>
             <a:r>
@@ -4814,8 +4719,6 @@
               </a:rPr>
               <a:t>)</a:t>
             </a:r>
-          </a:p>
-          <a:p>
             <a:br>
               <a:rPr lang="en-US" altLang="ko-KR" dirty="0">
                 <a:latin typeface="Consolas" panose="020B0609020204030204" pitchFamily="49" charset="0"/>
@@ -4857,504 +4760,417 @@
               </a:rPr>
               <a:t>---------</a:t>
             </a:r>
+            <a:br>
+              <a:rPr lang="en-US" altLang="ko-KR" dirty="0">
+                <a:latin typeface="Consolas" panose="020B0609020204030204" pitchFamily="49" charset="0"/>
+              </a:rPr>
+            </a:br>
+            <a:r>
+              <a:rPr lang="en-US" altLang="ko-KR" dirty="0">
+                <a:latin typeface="Consolas" panose="020B0609020204030204" pitchFamily="49" charset="0"/>
+              </a:rPr>
+              <a:t> </a:t>
+            </a:r>
+            <a:r>
+              <a:rPr lang="ko-KR" altLang="en-US" dirty="0" err="1">
+                <a:latin typeface="Consolas" panose="020B0609020204030204" pitchFamily="49" charset="0"/>
+              </a:rPr>
+              <a:t>이런식으로</a:t>
+            </a:r>
+            <a:r>
+              <a:rPr lang="ko-KR" altLang="en-US" dirty="0">
+                <a:latin typeface="Consolas" panose="020B0609020204030204" pitchFamily="49" charset="0"/>
+              </a:rPr>
+              <a:t> 가능하다</a:t>
+            </a:r>
+            <a:r>
+              <a:rPr lang="en-US" altLang="ko-KR" dirty="0">
+                <a:latin typeface="Consolas" panose="020B0609020204030204" pitchFamily="49" charset="0"/>
+              </a:rPr>
+              <a:t>. html</a:t>
+            </a:r>
+            <a:r>
+              <a:rPr lang="ko-KR" altLang="en-US" dirty="0">
+                <a:latin typeface="Consolas" panose="020B0609020204030204" pitchFamily="49" charset="0"/>
+              </a:rPr>
+              <a:t>에서 글자 크기를 나누려면 </a:t>
+            </a:r>
+            <a:r>
+              <a:rPr lang="en-US" altLang="ko-KR" dirty="0">
+                <a:latin typeface="Consolas" panose="020B0609020204030204" pitchFamily="49" charset="0"/>
+              </a:rPr>
+              <a:t>p</a:t>
+            </a:r>
+            <a:r>
+              <a:rPr lang="ko-KR" altLang="en-US" dirty="0">
+                <a:latin typeface="Consolas" panose="020B0609020204030204" pitchFamily="49" charset="0"/>
+              </a:rPr>
+              <a:t>태그나 </a:t>
+            </a:r>
+            <a:r>
+              <a:rPr lang="en-US" altLang="ko-KR" dirty="0">
+                <a:latin typeface="Consolas" panose="020B0609020204030204" pitchFamily="49" charset="0"/>
+              </a:rPr>
+              <a:t>h12345 </a:t>
+            </a:r>
+            <a:r>
+              <a:rPr lang="ko-KR" altLang="en-US" dirty="0">
+                <a:latin typeface="Consolas" panose="020B0609020204030204" pitchFamily="49" charset="0"/>
+              </a:rPr>
+              <a:t>태그 등 </a:t>
+            </a:r>
+            <a:r>
+              <a:rPr lang="ko-KR" altLang="en-US" dirty="0" err="1">
+                <a:latin typeface="Consolas" panose="020B0609020204030204" pitchFamily="49" charset="0"/>
+              </a:rPr>
+              <a:t>사용해야하지만</a:t>
+            </a:r>
+            <a:r>
+              <a:rPr lang="ko-KR" altLang="en-US" dirty="0">
+                <a:latin typeface="Consolas" panose="020B0609020204030204" pitchFamily="49" charset="0"/>
+              </a:rPr>
+              <a:t> </a:t>
+            </a:r>
+            <a:r>
+              <a:rPr lang="en-US" altLang="ko-KR" dirty="0">
+                <a:latin typeface="Consolas" panose="020B0609020204030204" pitchFamily="49" charset="0"/>
+              </a:rPr>
+              <a:t>md</a:t>
+            </a:r>
+            <a:r>
+              <a:rPr lang="ko-KR" altLang="en-US" dirty="0">
+                <a:latin typeface="Consolas" panose="020B0609020204030204" pitchFamily="49" charset="0"/>
+              </a:rPr>
+              <a:t>는 </a:t>
+            </a:r>
+            <a:r>
+              <a:rPr lang="en-US" altLang="ko-KR" dirty="0">
+                <a:latin typeface="Consolas" panose="020B0609020204030204" pitchFamily="49" charset="0"/>
+              </a:rPr>
+              <a:t>#</a:t>
+            </a:r>
+            <a:r>
+              <a:rPr lang="ko-KR" altLang="en-US" dirty="0">
+                <a:latin typeface="Consolas" panose="020B0609020204030204" pitchFamily="49" charset="0"/>
+              </a:rPr>
+              <a:t>의 </a:t>
+            </a:r>
+            <a:r>
+              <a:rPr lang="ko-KR" altLang="en-US" dirty="0" err="1">
+                <a:latin typeface="Consolas" panose="020B0609020204030204" pitchFamily="49" charset="0"/>
+              </a:rPr>
+              <a:t>갯수로</a:t>
+            </a:r>
+            <a:r>
+              <a:rPr lang="ko-KR" altLang="en-US" dirty="0">
+                <a:latin typeface="Consolas" panose="020B0609020204030204" pitchFamily="49" charset="0"/>
+              </a:rPr>
+              <a:t> 크기가 결정된다</a:t>
+            </a:r>
+            <a:r>
+              <a:rPr lang="en-US" altLang="ko-KR" dirty="0">
+                <a:latin typeface="Consolas" panose="020B0609020204030204" pitchFamily="49" charset="0"/>
+              </a:rPr>
+              <a:t>. </a:t>
+            </a:r>
+            <a:r>
+              <a:rPr lang="ko-KR" altLang="en-US" dirty="0">
+                <a:latin typeface="Consolas" panose="020B0609020204030204" pitchFamily="49" charset="0"/>
+              </a:rPr>
+              <a:t>현제 작성도중 중간 확인을 위해 업로드를 해보았지만 제대로 페이지가 올라가지 않는</a:t>
+            </a:r>
+            <a:r>
+              <a:rPr lang="en-US" altLang="ko-KR" dirty="0">
+                <a:latin typeface="Consolas" panose="020B0609020204030204" pitchFamily="49" charset="0"/>
+              </a:rPr>
+              <a:t>(</a:t>
+            </a:r>
+            <a:r>
+              <a:rPr lang="ko-KR" altLang="en-US" dirty="0">
+                <a:latin typeface="Consolas" panose="020B0609020204030204" pitchFamily="49" charset="0"/>
+              </a:rPr>
+              <a:t>새로 </a:t>
+            </a:r>
+            <a:r>
+              <a:rPr lang="ko-KR" altLang="en-US" dirty="0" err="1">
+                <a:latin typeface="Consolas" panose="020B0609020204030204" pitchFamily="49" charset="0"/>
+              </a:rPr>
+              <a:t>빌드된</a:t>
+            </a:r>
+            <a:r>
+              <a:rPr lang="ko-KR" altLang="en-US" dirty="0">
+                <a:latin typeface="Consolas" panose="020B0609020204030204" pitchFamily="49" charset="0"/>
+              </a:rPr>
+              <a:t> 페이지들</a:t>
+            </a:r>
+            <a:r>
+              <a:rPr lang="en-US" altLang="ko-KR" dirty="0">
+                <a:latin typeface="Consolas" panose="020B0609020204030204" pitchFamily="49" charset="0"/>
+              </a:rPr>
+              <a:t>) </a:t>
+            </a:r>
+            <a:r>
+              <a:rPr lang="ko-KR" altLang="en-US" dirty="0">
+                <a:latin typeface="Consolas" panose="020B0609020204030204" pitchFamily="49" charset="0"/>
+              </a:rPr>
+              <a:t>현상이 발생했다</a:t>
+            </a:r>
+            <a:r>
+              <a:rPr lang="en-US" altLang="ko-KR" dirty="0">
+                <a:latin typeface="Consolas" panose="020B0609020204030204" pitchFamily="49" charset="0"/>
+              </a:rPr>
+              <a:t>.</a:t>
+            </a:r>
+            <a:r>
+              <a:rPr lang="ko-KR" altLang="en-US" dirty="0">
+                <a:latin typeface="Consolas" panose="020B0609020204030204" pitchFamily="49" charset="0"/>
+              </a:rPr>
+              <a:t>왜 이런 문제가 생기는지는 모르겠지만 페이지 빌드 실패</a:t>
+            </a:r>
+            <a:r>
+              <a:rPr lang="en-US" altLang="ko-KR" dirty="0">
+                <a:latin typeface="Consolas" panose="020B0609020204030204" pitchFamily="49" charset="0"/>
+              </a:rPr>
+              <a:t>... </a:t>
+            </a:r>
+            <a:r>
+              <a:rPr lang="ko-KR" altLang="en-US" dirty="0" err="1">
+                <a:latin typeface="Consolas" panose="020B0609020204030204" pitchFamily="49" charset="0"/>
+              </a:rPr>
+              <a:t>이런건</a:t>
+            </a:r>
+            <a:r>
+              <a:rPr lang="ko-KR" altLang="en-US" dirty="0">
+                <a:latin typeface="Consolas" panose="020B0609020204030204" pitchFamily="49" charset="0"/>
+              </a:rPr>
+              <a:t> 보통 페이지 구성중 오타나 태그 오류로 인해 발생하는 문제라고는 하지만 사실상 처음 접하는 사람에게는 문제가 많다</a:t>
+            </a:r>
+            <a:r>
+              <a:rPr lang="en-US" altLang="ko-KR" dirty="0">
+                <a:latin typeface="Consolas" panose="020B0609020204030204" pitchFamily="49" charset="0"/>
+              </a:rPr>
+              <a:t>. </a:t>
+            </a:r>
+            <a:r>
+              <a:rPr lang="ko-KR" altLang="en-US" dirty="0">
+                <a:latin typeface="Consolas" panose="020B0609020204030204" pitchFamily="49" charset="0"/>
+              </a:rPr>
+              <a:t>파악이 되는대로 </a:t>
+            </a:r>
+            <a:r>
+              <a:rPr lang="ko-KR" altLang="en-US" dirty="0" err="1">
+                <a:latin typeface="Consolas" panose="020B0609020204030204" pitchFamily="49" charset="0"/>
+              </a:rPr>
+              <a:t>수정할것</a:t>
+            </a:r>
+            <a:r>
+              <a:rPr lang="en-US" altLang="ko-KR" dirty="0">
+                <a:latin typeface="Consolas" panose="020B0609020204030204" pitchFamily="49" charset="0"/>
+              </a:rPr>
+              <a:t>.</a:t>
+            </a:r>
+            <a:r>
+              <a:rPr lang="ko-KR" altLang="en-US" dirty="0">
+                <a:latin typeface="Consolas" panose="020B0609020204030204" pitchFamily="49" charset="0"/>
+              </a:rPr>
+              <a:t>현제 생각되는 지점들은 업로드 </a:t>
+            </a:r>
+            <a:r>
+              <a:rPr lang="ko-KR" altLang="en-US" dirty="0" err="1">
+                <a:latin typeface="Consolas" panose="020B0609020204030204" pitchFamily="49" charset="0"/>
+              </a:rPr>
+              <a:t>버젼과</a:t>
+            </a:r>
+            <a:r>
+              <a:rPr lang="ko-KR" altLang="en-US" dirty="0">
+                <a:latin typeface="Consolas" panose="020B0609020204030204" pitchFamily="49" charset="0"/>
+              </a:rPr>
+              <a:t> 다른 </a:t>
+            </a:r>
+            <a:r>
+              <a:rPr lang="ko-KR" altLang="en-US" dirty="0" err="1">
+                <a:latin typeface="Consolas" panose="020B0609020204030204" pitchFamily="49" charset="0"/>
+              </a:rPr>
+              <a:t>버젼을</a:t>
+            </a:r>
+            <a:r>
+              <a:rPr lang="ko-KR" altLang="en-US" dirty="0">
+                <a:latin typeface="Consolas" panose="020B0609020204030204" pitchFamily="49" charset="0"/>
+              </a:rPr>
+              <a:t> 올려져서 생기는 문제라도 생각됨</a:t>
+            </a:r>
+            <a:r>
+              <a:rPr lang="en-US" altLang="ko-KR" dirty="0">
+                <a:latin typeface="Consolas" panose="020B0609020204030204" pitchFamily="49" charset="0"/>
+              </a:rPr>
+              <a:t>.</a:t>
+            </a:r>
+            <a:br>
+              <a:rPr lang="en-US" altLang="ko-KR" dirty="0">
+                <a:latin typeface="Consolas" panose="020B0609020204030204" pitchFamily="49" charset="0"/>
+              </a:rPr>
+            </a:br>
+            <a:r>
+              <a:rPr lang="ko-KR" altLang="en-US" dirty="0">
+                <a:latin typeface="Consolas" panose="020B0609020204030204" pitchFamily="49" charset="0"/>
+              </a:rPr>
+              <a:t>다시 마크다운으로 넘어와서 **을 붙이면  굵게 </a:t>
+            </a:r>
+            <a:r>
+              <a:rPr lang="ko-KR" altLang="en-US" dirty="0" err="1">
+                <a:latin typeface="Consolas" panose="020B0609020204030204" pitchFamily="49" charset="0"/>
+              </a:rPr>
+              <a:t>할수있다</a:t>
+            </a:r>
+            <a:r>
+              <a:rPr lang="en-US" altLang="ko-KR" dirty="0">
+                <a:latin typeface="Consolas" panose="020B0609020204030204" pitchFamily="49" charset="0"/>
+              </a:rPr>
+              <a:t>._</a:t>
+            </a:r>
+            <a:r>
+              <a:rPr lang="ko-KR" altLang="en-US" dirty="0">
+                <a:latin typeface="Consolas" panose="020B0609020204030204" pitchFamily="49" charset="0"/>
+              </a:rPr>
+              <a:t>를 붙이게 되면 기울기가 가능하다</a:t>
+            </a:r>
+            <a:r>
+              <a:rPr lang="en-US" altLang="ko-KR" dirty="0">
+                <a:latin typeface="Consolas" panose="020B0609020204030204" pitchFamily="49" charset="0"/>
+              </a:rPr>
+              <a:t>. </a:t>
+            </a:r>
+            <a:r>
+              <a:rPr lang="ko-KR" altLang="en-US" dirty="0">
+                <a:latin typeface="Consolas" panose="020B0609020204030204" pitchFamily="49" charset="0"/>
+              </a:rPr>
+              <a:t>굳이 </a:t>
+            </a:r>
+            <a:r>
+              <a:rPr lang="en-US" altLang="ko-KR" dirty="0">
+                <a:latin typeface="Consolas" panose="020B0609020204030204" pitchFamily="49" charset="0"/>
+              </a:rPr>
+              <a:t>_ </a:t>
+            </a:r>
+            <a:r>
+              <a:rPr lang="ko-KR" altLang="en-US" dirty="0">
+                <a:latin typeface="Consolas" panose="020B0609020204030204" pitchFamily="49" charset="0"/>
+              </a:rPr>
+              <a:t>가 아니더라도 *을 붙여도 </a:t>
+            </a:r>
+            <a:r>
+              <a:rPr lang="ko-KR" altLang="en-US" dirty="0" err="1">
+                <a:latin typeface="Consolas" panose="020B0609020204030204" pitchFamily="49" charset="0"/>
+              </a:rPr>
+              <a:t>기울일수</a:t>
+            </a:r>
+            <a:r>
+              <a:rPr lang="ko-KR" altLang="en-US" dirty="0">
+                <a:latin typeface="Consolas" panose="020B0609020204030204" pitchFamily="49" charset="0"/>
+              </a:rPr>
+              <a:t> 있다</a:t>
+            </a:r>
+            <a:r>
+              <a:rPr lang="en-US" altLang="ko-KR" dirty="0">
+                <a:latin typeface="Consolas" panose="020B0609020204030204" pitchFamily="49" charset="0"/>
+              </a:rPr>
+              <a:t>. </a:t>
+            </a:r>
+            <a:br>
+              <a:rPr lang="en-US" altLang="ko-KR" dirty="0">
+                <a:latin typeface="Consolas" panose="020B0609020204030204" pitchFamily="49" charset="0"/>
+              </a:rPr>
+            </a:br>
+            <a:r>
+              <a:rPr lang="ko-KR" altLang="en-US" dirty="0">
+                <a:latin typeface="Consolas" panose="020B0609020204030204" pitchFamily="49" charset="0"/>
+              </a:rPr>
+              <a:t>예시</a:t>
+            </a:r>
+          </a:p>
+          <a:p>
+            <a:br>
+              <a:rPr lang="ko-KR" altLang="en-US" dirty="0">
+                <a:latin typeface="Consolas" panose="020B0609020204030204" pitchFamily="49" charset="0"/>
+              </a:rPr>
+            </a:br>
+            <a:r>
+              <a:rPr lang="ko-KR" altLang="en-US" b="1" dirty="0">
+                <a:latin typeface="Consolas" panose="020B0609020204030204" pitchFamily="49" charset="0"/>
+              </a:rPr>
+              <a:t>**</a:t>
+            </a:r>
+            <a:r>
+              <a:rPr lang="ko-KR" altLang="en-US" b="1" dirty="0" err="1">
+                <a:latin typeface="Consolas" panose="020B0609020204030204" pitchFamily="49" charset="0"/>
+              </a:rPr>
+              <a:t>가나다라</a:t>
+            </a:r>
+            <a:r>
+              <a:rPr lang="ko-KR" altLang="en-US" b="1" dirty="0">
+                <a:latin typeface="Consolas" panose="020B0609020204030204" pitchFamily="49" charset="0"/>
+              </a:rPr>
+              <a:t>**</a:t>
+            </a:r>
+            <a:endParaRPr lang="ko-KR" altLang="en-US" dirty="0">
+              <a:latin typeface="Consolas" panose="020B0609020204030204" pitchFamily="49" charset="0"/>
+            </a:endParaRPr>
+          </a:p>
+          <a:p>
+            <a:br>
+              <a:rPr lang="ko-KR" altLang="en-US" dirty="0">
+                <a:latin typeface="Consolas" panose="020B0609020204030204" pitchFamily="49" charset="0"/>
+              </a:rPr>
+            </a:br>
+            <a:r>
+              <a:rPr lang="ko-KR" altLang="en-US" i="1" dirty="0">
+                <a:latin typeface="Consolas" panose="020B0609020204030204" pitchFamily="49" charset="0"/>
+              </a:rPr>
+              <a:t>*</a:t>
+            </a:r>
+            <a:r>
+              <a:rPr lang="ko-KR" altLang="en-US" i="1" dirty="0" err="1">
+                <a:latin typeface="Consolas" panose="020B0609020204030204" pitchFamily="49" charset="0"/>
+              </a:rPr>
+              <a:t>가나다라</a:t>
+            </a:r>
+            <a:r>
+              <a:rPr lang="ko-KR" altLang="en-US" i="1" dirty="0">
+                <a:latin typeface="Consolas" panose="020B0609020204030204" pitchFamily="49" charset="0"/>
+              </a:rPr>
+              <a:t>*</a:t>
+            </a:r>
+            <a:endParaRPr lang="ko-KR" altLang="en-US" dirty="0">
+              <a:latin typeface="Consolas" panose="020B0609020204030204" pitchFamily="49" charset="0"/>
+            </a:endParaRPr>
+          </a:p>
+          <a:p>
+            <a:r>
+              <a:rPr lang="en-US" altLang="ko-KR" i="1" dirty="0">
+                <a:latin typeface="Consolas" panose="020B0609020204030204" pitchFamily="49" charset="0"/>
+              </a:rPr>
+              <a:t>_</a:t>
+            </a:r>
+            <a:r>
+              <a:rPr lang="ko-KR" altLang="en-US" i="1" dirty="0" err="1">
+                <a:latin typeface="Consolas" panose="020B0609020204030204" pitchFamily="49" charset="0"/>
+              </a:rPr>
+              <a:t>가나다라</a:t>
+            </a:r>
+            <a:r>
+              <a:rPr lang="en-US" altLang="ko-KR" i="1" dirty="0">
+                <a:latin typeface="Consolas" panose="020B0609020204030204" pitchFamily="49" charset="0"/>
+              </a:rPr>
+              <a:t>_</a:t>
+            </a:r>
+            <a:endParaRPr lang="ko-KR" altLang="en-US" dirty="0">
+              <a:latin typeface="Consolas" panose="020B0609020204030204" pitchFamily="49" charset="0"/>
+            </a:endParaRPr>
+          </a:p>
+          <a:p>
             <a:endParaRPr lang="en-US" altLang="ko-KR" dirty="0">
               <a:latin typeface="Consolas" panose="020B0609020204030204" pitchFamily="49" charset="0"/>
             </a:endParaRPr>
-          </a:p>
-          <a:p>
-            <a:br>
-              <a:rPr lang="en-US" altLang="ko-KR" dirty="0">
-                <a:latin typeface="Consolas" panose="020B0609020204030204" pitchFamily="49" charset="0"/>
-              </a:rPr>
-            </a:br>
-            <a:r>
-              <a:rPr lang="en-US" altLang="ko-KR" dirty="0">
-                <a:latin typeface="Consolas" panose="020B0609020204030204" pitchFamily="49" charset="0"/>
-              </a:rPr>
-              <a:t> </a:t>
-            </a:r>
-            <a:r>
-              <a:rPr lang="ko-KR" altLang="en-US" dirty="0" err="1">
-                <a:latin typeface="Consolas" panose="020B0609020204030204" pitchFamily="49" charset="0"/>
-              </a:rPr>
-              <a:t>이런식으로</a:t>
-            </a:r>
-            <a:r>
-              <a:rPr lang="ko-KR" altLang="en-US" dirty="0">
-                <a:latin typeface="Consolas" panose="020B0609020204030204" pitchFamily="49" charset="0"/>
-              </a:rPr>
-              <a:t> 가능하다</a:t>
-            </a:r>
-            <a:r>
-              <a:rPr lang="en-US" altLang="ko-KR" dirty="0">
-                <a:latin typeface="Consolas" panose="020B0609020204030204" pitchFamily="49" charset="0"/>
-              </a:rPr>
-              <a:t>. html</a:t>
-            </a:r>
-            <a:r>
-              <a:rPr lang="ko-KR" altLang="en-US" dirty="0">
-                <a:latin typeface="Consolas" panose="020B0609020204030204" pitchFamily="49" charset="0"/>
-              </a:rPr>
-              <a:t>에서 글자 크기를 나누려면 </a:t>
-            </a:r>
-            <a:r>
-              <a:rPr lang="en-US" altLang="ko-KR" dirty="0">
-                <a:latin typeface="Consolas" panose="020B0609020204030204" pitchFamily="49" charset="0"/>
-              </a:rPr>
-              <a:t>p</a:t>
-            </a:r>
-            <a:r>
-              <a:rPr lang="ko-KR" altLang="en-US" dirty="0">
-                <a:latin typeface="Consolas" panose="020B0609020204030204" pitchFamily="49" charset="0"/>
-              </a:rPr>
-              <a:t>태그나 </a:t>
-            </a:r>
-            <a:r>
-              <a:rPr lang="en-US" altLang="ko-KR" dirty="0">
-                <a:latin typeface="Consolas" panose="020B0609020204030204" pitchFamily="49" charset="0"/>
-              </a:rPr>
-              <a:t>h12345 </a:t>
-            </a:r>
-            <a:r>
-              <a:rPr lang="ko-KR" altLang="en-US" dirty="0">
-                <a:latin typeface="Consolas" panose="020B0609020204030204" pitchFamily="49" charset="0"/>
-              </a:rPr>
-              <a:t>태그 등 </a:t>
-            </a:r>
-            <a:r>
-              <a:rPr lang="ko-KR" altLang="en-US" dirty="0" err="1">
-                <a:latin typeface="Consolas" panose="020B0609020204030204" pitchFamily="49" charset="0"/>
-              </a:rPr>
-              <a:t>사용해야하지만</a:t>
-            </a:r>
-            <a:r>
-              <a:rPr lang="ko-KR" altLang="en-US" dirty="0">
-                <a:latin typeface="Consolas" panose="020B0609020204030204" pitchFamily="49" charset="0"/>
-              </a:rPr>
-              <a:t> </a:t>
-            </a:r>
-            <a:r>
-              <a:rPr lang="en-US" altLang="ko-KR" dirty="0">
-                <a:latin typeface="Consolas" panose="020B0609020204030204" pitchFamily="49" charset="0"/>
-              </a:rPr>
-              <a:t>md</a:t>
-            </a:r>
-            <a:r>
-              <a:rPr lang="ko-KR" altLang="en-US" dirty="0">
-                <a:latin typeface="Consolas" panose="020B0609020204030204" pitchFamily="49" charset="0"/>
-              </a:rPr>
-              <a:t>는 </a:t>
-            </a:r>
-            <a:r>
-              <a:rPr lang="en-US" altLang="ko-KR" dirty="0">
-                <a:latin typeface="Consolas" panose="020B0609020204030204" pitchFamily="49" charset="0"/>
-              </a:rPr>
-              <a:t>#</a:t>
-            </a:r>
-            <a:r>
-              <a:rPr lang="ko-KR" altLang="en-US" dirty="0">
-                <a:latin typeface="Consolas" panose="020B0609020204030204" pitchFamily="49" charset="0"/>
-              </a:rPr>
-              <a:t>의 </a:t>
-            </a:r>
-            <a:r>
-              <a:rPr lang="ko-KR" altLang="en-US" dirty="0" err="1">
-                <a:latin typeface="Consolas" panose="020B0609020204030204" pitchFamily="49" charset="0"/>
-              </a:rPr>
-              <a:t>갯수로</a:t>
-            </a:r>
-            <a:r>
-              <a:rPr lang="ko-KR" altLang="en-US" dirty="0">
-                <a:latin typeface="Consolas" panose="020B0609020204030204" pitchFamily="49" charset="0"/>
-              </a:rPr>
-              <a:t> 크기가 결정된다</a:t>
-            </a:r>
-            <a:r>
-              <a:rPr lang="en-US" altLang="ko-KR" dirty="0">
-                <a:latin typeface="Consolas" panose="020B0609020204030204" pitchFamily="49" charset="0"/>
-              </a:rPr>
-              <a:t>. </a:t>
-            </a:r>
-            <a:r>
-              <a:rPr lang="ko-KR" altLang="en-US" dirty="0">
-                <a:latin typeface="Consolas" panose="020B0609020204030204" pitchFamily="49" charset="0"/>
-              </a:rPr>
-              <a:t>현제 작성도중 중간 확인을 위해 업로드를 해보았지만 제대로 페이지가 올라가지 않는</a:t>
-            </a:r>
-            <a:r>
-              <a:rPr lang="en-US" altLang="ko-KR" dirty="0">
-                <a:latin typeface="Consolas" panose="020B0609020204030204" pitchFamily="49" charset="0"/>
-              </a:rPr>
-              <a:t>(</a:t>
-            </a:r>
-            <a:r>
-              <a:rPr lang="ko-KR" altLang="en-US" dirty="0">
-                <a:latin typeface="Consolas" panose="020B0609020204030204" pitchFamily="49" charset="0"/>
-              </a:rPr>
-              <a:t>새로 </a:t>
-            </a:r>
-            <a:r>
-              <a:rPr lang="ko-KR" altLang="en-US" dirty="0" err="1">
-                <a:latin typeface="Consolas" panose="020B0609020204030204" pitchFamily="49" charset="0"/>
-              </a:rPr>
-              <a:t>빌드된</a:t>
-            </a:r>
-            <a:r>
-              <a:rPr lang="ko-KR" altLang="en-US" dirty="0">
-                <a:latin typeface="Consolas" panose="020B0609020204030204" pitchFamily="49" charset="0"/>
-              </a:rPr>
-              <a:t> 페이지들</a:t>
-            </a:r>
-            <a:r>
-              <a:rPr lang="en-US" altLang="ko-KR" dirty="0">
-                <a:latin typeface="Consolas" panose="020B0609020204030204" pitchFamily="49" charset="0"/>
-              </a:rPr>
-              <a:t>) </a:t>
-            </a:r>
-            <a:r>
-              <a:rPr lang="ko-KR" altLang="en-US" dirty="0">
-                <a:latin typeface="Consolas" panose="020B0609020204030204" pitchFamily="49" charset="0"/>
-              </a:rPr>
-              <a:t>현상이 발생했다</a:t>
-            </a:r>
-            <a:r>
-              <a:rPr lang="en-US" altLang="ko-KR" dirty="0">
-                <a:latin typeface="Consolas" panose="020B0609020204030204" pitchFamily="49" charset="0"/>
-              </a:rPr>
-              <a:t>.&lt;</a:t>
-            </a:r>
-            <a:r>
-              <a:rPr lang="en-US" altLang="ko-KR" dirty="0" err="1">
-                <a:latin typeface="Consolas" panose="020B0609020204030204" pitchFamily="49" charset="0"/>
-              </a:rPr>
-              <a:t>br</a:t>
-            </a:r>
-            <a:r>
-              <a:rPr lang="en-US" altLang="ko-KR" dirty="0">
-                <a:latin typeface="Consolas" panose="020B0609020204030204" pitchFamily="49" charset="0"/>
-              </a:rPr>
-              <a:t>&gt;</a:t>
-            </a:r>
-          </a:p>
-          <a:p>
-            <a:br>
-              <a:rPr lang="en-US" altLang="ko-KR" dirty="0">
-                <a:latin typeface="Consolas" panose="020B0609020204030204" pitchFamily="49" charset="0"/>
-              </a:rPr>
-            </a:br>
-            <a:r>
-              <a:rPr lang="ko-KR" altLang="en-US" dirty="0">
-                <a:latin typeface="Consolas" panose="020B0609020204030204" pitchFamily="49" charset="0"/>
-              </a:rPr>
-              <a:t>왜 이런 문제가 생기는지는 모르겠지만 페이지 빌드 실패</a:t>
-            </a:r>
-            <a:r>
-              <a:rPr lang="en-US" altLang="ko-KR" dirty="0">
-                <a:latin typeface="Consolas" panose="020B0609020204030204" pitchFamily="49" charset="0"/>
-              </a:rPr>
-              <a:t>... </a:t>
-            </a:r>
-            <a:r>
-              <a:rPr lang="ko-KR" altLang="en-US" dirty="0" err="1">
-                <a:latin typeface="Consolas" panose="020B0609020204030204" pitchFamily="49" charset="0"/>
-              </a:rPr>
-              <a:t>이런건</a:t>
-            </a:r>
-            <a:r>
-              <a:rPr lang="ko-KR" altLang="en-US" dirty="0">
-                <a:latin typeface="Consolas" panose="020B0609020204030204" pitchFamily="49" charset="0"/>
-              </a:rPr>
-              <a:t> 보통 페이지 구성중 오타나 태그 오류로 인해 발생하는 문제라고는 하지만 사실상 처음 접하는 사람에게는 문제가 많다</a:t>
-            </a:r>
-            <a:r>
-              <a:rPr lang="en-US" altLang="ko-KR" dirty="0">
-                <a:latin typeface="Consolas" panose="020B0609020204030204" pitchFamily="49" charset="0"/>
-              </a:rPr>
-              <a:t>. </a:t>
-            </a:r>
-            <a:r>
-              <a:rPr lang="ko-KR" altLang="en-US" dirty="0">
-                <a:latin typeface="Consolas" panose="020B0609020204030204" pitchFamily="49" charset="0"/>
-              </a:rPr>
-              <a:t>파악이 되는대로 </a:t>
-            </a:r>
-            <a:r>
-              <a:rPr lang="ko-KR" altLang="en-US" dirty="0" err="1">
-                <a:latin typeface="Consolas" panose="020B0609020204030204" pitchFamily="49" charset="0"/>
-              </a:rPr>
-              <a:t>수정할것</a:t>
-            </a:r>
-            <a:r>
-              <a:rPr lang="en-US" altLang="ko-KR" dirty="0">
-                <a:latin typeface="Consolas" panose="020B0609020204030204" pitchFamily="49" charset="0"/>
-              </a:rPr>
-              <a:t>.&lt;</a:t>
-            </a:r>
-            <a:r>
-              <a:rPr lang="en-US" altLang="ko-KR" dirty="0" err="1">
-                <a:latin typeface="Consolas" panose="020B0609020204030204" pitchFamily="49" charset="0"/>
-              </a:rPr>
-              <a:t>br</a:t>
-            </a:r>
-            <a:r>
-              <a:rPr lang="en-US" altLang="ko-KR" dirty="0">
-                <a:latin typeface="Consolas" panose="020B0609020204030204" pitchFamily="49" charset="0"/>
-              </a:rPr>
-              <a:t>&gt;</a:t>
-            </a:r>
-          </a:p>
-          <a:p>
-            <a:br>
-              <a:rPr lang="en-US" altLang="ko-KR" dirty="0">
-                <a:latin typeface="Consolas" panose="020B0609020204030204" pitchFamily="49" charset="0"/>
-              </a:rPr>
-            </a:br>
-            <a:r>
-              <a:rPr lang="ko-KR" altLang="en-US" dirty="0">
-                <a:latin typeface="Consolas" panose="020B0609020204030204" pitchFamily="49" charset="0"/>
-              </a:rPr>
-              <a:t>현제 생각되는 지점들은 업로드 </a:t>
-            </a:r>
-            <a:r>
-              <a:rPr lang="ko-KR" altLang="en-US" dirty="0" err="1">
-                <a:latin typeface="Consolas" panose="020B0609020204030204" pitchFamily="49" charset="0"/>
-              </a:rPr>
-              <a:t>버젼과</a:t>
-            </a:r>
-            <a:r>
-              <a:rPr lang="ko-KR" altLang="en-US" dirty="0">
-                <a:latin typeface="Consolas" panose="020B0609020204030204" pitchFamily="49" charset="0"/>
-              </a:rPr>
-              <a:t> 다른 </a:t>
-            </a:r>
-            <a:r>
-              <a:rPr lang="ko-KR" altLang="en-US" dirty="0" err="1">
-                <a:latin typeface="Consolas" panose="020B0609020204030204" pitchFamily="49" charset="0"/>
-              </a:rPr>
-              <a:t>버젼을</a:t>
-            </a:r>
-            <a:r>
-              <a:rPr lang="ko-KR" altLang="en-US" dirty="0">
-                <a:latin typeface="Consolas" panose="020B0609020204030204" pitchFamily="49" charset="0"/>
-              </a:rPr>
-              <a:t> 올려져서 생기는 문제라도 생각됨</a:t>
-            </a:r>
-            <a:r>
-              <a:rPr lang="en-US" altLang="ko-KR" dirty="0">
-                <a:latin typeface="Consolas" panose="020B0609020204030204" pitchFamily="49" charset="0"/>
-              </a:rPr>
-              <a:t>.</a:t>
-            </a:r>
-          </a:p>
-          <a:p>
-            <a:r>
-              <a:rPr lang="en-US" altLang="ko-KR" dirty="0">
-                <a:latin typeface="Consolas" panose="020B0609020204030204" pitchFamily="49" charset="0"/>
-              </a:rPr>
-              <a:t>&lt;</a:t>
-            </a:r>
-            <a:r>
-              <a:rPr lang="en-US" altLang="ko-KR" dirty="0" err="1">
-                <a:latin typeface="Consolas" panose="020B0609020204030204" pitchFamily="49" charset="0"/>
-              </a:rPr>
-              <a:t>br</a:t>
-            </a:r>
-            <a:r>
-              <a:rPr lang="en-US" altLang="ko-KR" dirty="0">
-                <a:latin typeface="Consolas" panose="020B0609020204030204" pitchFamily="49" charset="0"/>
-              </a:rPr>
-              <a:t>&gt;</a:t>
-            </a:r>
-          </a:p>
-          <a:p>
-            <a:br>
-              <a:rPr lang="en-US" altLang="ko-KR" dirty="0">
-                <a:latin typeface="Consolas" panose="020B0609020204030204" pitchFamily="49" charset="0"/>
-              </a:rPr>
-            </a:br>
-            <a:r>
-              <a:rPr lang="ko-KR" altLang="en-US" dirty="0">
-                <a:latin typeface="Consolas" panose="020B0609020204030204" pitchFamily="49" charset="0"/>
-              </a:rPr>
-              <a:t>다시 마크다운으로 넘어와서 **을 붙이면  굵게 </a:t>
-            </a:r>
-            <a:r>
-              <a:rPr lang="ko-KR" altLang="en-US" dirty="0" err="1">
-                <a:latin typeface="Consolas" panose="020B0609020204030204" pitchFamily="49" charset="0"/>
-              </a:rPr>
-              <a:t>할수있다</a:t>
-            </a:r>
-            <a:r>
-              <a:rPr lang="en-US" altLang="ko-KR" dirty="0">
-                <a:latin typeface="Consolas" panose="020B0609020204030204" pitchFamily="49" charset="0"/>
-              </a:rPr>
-              <a:t>._</a:t>
-            </a:r>
-            <a:r>
-              <a:rPr lang="ko-KR" altLang="en-US" dirty="0">
-                <a:latin typeface="Consolas" panose="020B0609020204030204" pitchFamily="49" charset="0"/>
-              </a:rPr>
-              <a:t>를 붙이게 되면 기울기가 가능하다</a:t>
-            </a:r>
-            <a:r>
-              <a:rPr lang="en-US" altLang="ko-KR" dirty="0">
-                <a:latin typeface="Consolas" panose="020B0609020204030204" pitchFamily="49" charset="0"/>
-              </a:rPr>
-              <a:t>. </a:t>
-            </a:r>
-            <a:r>
-              <a:rPr lang="ko-KR" altLang="en-US" dirty="0">
-                <a:latin typeface="Consolas" panose="020B0609020204030204" pitchFamily="49" charset="0"/>
-              </a:rPr>
-              <a:t>굳이 </a:t>
-            </a:r>
-            <a:r>
-              <a:rPr lang="en-US" altLang="ko-KR" dirty="0">
-                <a:latin typeface="Consolas" panose="020B0609020204030204" pitchFamily="49" charset="0"/>
-              </a:rPr>
-              <a:t>_ </a:t>
-            </a:r>
-            <a:r>
-              <a:rPr lang="ko-KR" altLang="en-US" dirty="0">
-                <a:latin typeface="Consolas" panose="020B0609020204030204" pitchFamily="49" charset="0"/>
-              </a:rPr>
-              <a:t>가 아니더라도 *을 붙여도 </a:t>
-            </a:r>
-            <a:r>
-              <a:rPr lang="ko-KR" altLang="en-US" dirty="0" err="1">
-                <a:latin typeface="Consolas" panose="020B0609020204030204" pitchFamily="49" charset="0"/>
-              </a:rPr>
-              <a:t>기울일수</a:t>
-            </a:r>
-            <a:r>
-              <a:rPr lang="ko-KR" altLang="en-US" dirty="0">
-                <a:latin typeface="Consolas" panose="020B0609020204030204" pitchFamily="49" charset="0"/>
-              </a:rPr>
-              <a:t> 있다</a:t>
-            </a:r>
-            <a:r>
-              <a:rPr lang="en-US" altLang="ko-KR" dirty="0">
-                <a:latin typeface="Consolas" panose="020B0609020204030204" pitchFamily="49" charset="0"/>
-              </a:rPr>
-              <a:t>. </a:t>
-            </a:r>
-          </a:p>
-          <a:p>
-            <a:br>
-              <a:rPr lang="en-US" altLang="ko-KR" dirty="0">
-                <a:latin typeface="Consolas" panose="020B0609020204030204" pitchFamily="49" charset="0"/>
-              </a:rPr>
-            </a:br>
-            <a:r>
-              <a:rPr lang="ko-KR" altLang="en-US" dirty="0">
-                <a:latin typeface="Consolas" panose="020B0609020204030204" pitchFamily="49" charset="0"/>
-              </a:rPr>
-              <a:t>예시</a:t>
-            </a:r>
-          </a:p>
-          <a:p>
-            <a:br>
-              <a:rPr lang="ko-KR" altLang="en-US" dirty="0">
-                <a:latin typeface="Consolas" panose="020B0609020204030204" pitchFamily="49" charset="0"/>
-              </a:rPr>
-            </a:br>
-            <a:r>
-              <a:rPr lang="ko-KR" altLang="en-US" b="1" dirty="0">
-                <a:latin typeface="Consolas" panose="020B0609020204030204" pitchFamily="49" charset="0"/>
-              </a:rPr>
-              <a:t>**</a:t>
-            </a:r>
-            <a:r>
-              <a:rPr lang="ko-KR" altLang="en-US" b="1" dirty="0" err="1">
-                <a:latin typeface="Consolas" panose="020B0609020204030204" pitchFamily="49" charset="0"/>
-              </a:rPr>
-              <a:t>가나다라</a:t>
-            </a:r>
-            <a:r>
-              <a:rPr lang="ko-KR" altLang="en-US" b="1" dirty="0">
-                <a:latin typeface="Consolas" panose="020B0609020204030204" pitchFamily="49" charset="0"/>
-              </a:rPr>
-              <a:t>**</a:t>
-            </a:r>
-            <a:endParaRPr lang="ko-KR" altLang="en-US" dirty="0">
-              <a:latin typeface="Consolas" panose="020B0609020204030204" pitchFamily="49" charset="0"/>
-            </a:endParaRPr>
-          </a:p>
-          <a:p>
-            <a:br>
-              <a:rPr lang="ko-KR" altLang="en-US" dirty="0">
-                <a:latin typeface="Consolas" panose="020B0609020204030204" pitchFamily="49" charset="0"/>
-              </a:rPr>
-            </a:br>
-            <a:r>
-              <a:rPr lang="ko-KR" altLang="en-US" i="1" dirty="0">
-                <a:latin typeface="Consolas" panose="020B0609020204030204" pitchFamily="49" charset="0"/>
-              </a:rPr>
-              <a:t>*</a:t>
-            </a:r>
-            <a:r>
-              <a:rPr lang="ko-KR" altLang="en-US" i="1" dirty="0" err="1">
-                <a:latin typeface="Consolas" panose="020B0609020204030204" pitchFamily="49" charset="0"/>
-              </a:rPr>
-              <a:t>가나다라</a:t>
-            </a:r>
-            <a:r>
-              <a:rPr lang="ko-KR" altLang="en-US" i="1" dirty="0">
-                <a:latin typeface="Consolas" panose="020B0609020204030204" pitchFamily="49" charset="0"/>
-              </a:rPr>
-              <a:t>*</a:t>
-            </a:r>
-            <a:endParaRPr lang="ko-KR" altLang="en-US" dirty="0">
-              <a:latin typeface="Consolas" panose="020B0609020204030204" pitchFamily="49" charset="0"/>
-            </a:endParaRPr>
-          </a:p>
-          <a:p>
-            <a:r>
-              <a:rPr lang="en-US" altLang="ko-KR" i="1" dirty="0">
-                <a:latin typeface="Consolas" panose="020B0609020204030204" pitchFamily="49" charset="0"/>
-              </a:rPr>
-              <a:t>_</a:t>
-            </a:r>
-            <a:r>
-              <a:rPr lang="ko-KR" altLang="en-US" i="1" dirty="0" err="1">
-                <a:latin typeface="Consolas" panose="020B0609020204030204" pitchFamily="49" charset="0"/>
-              </a:rPr>
-              <a:t>가나다라</a:t>
-            </a:r>
-            <a:r>
-              <a:rPr lang="en-US" altLang="ko-KR" i="1" dirty="0">
-                <a:latin typeface="Consolas" panose="020B0609020204030204" pitchFamily="49" charset="0"/>
-              </a:rPr>
-              <a:t>_</a:t>
-            </a:r>
-            <a:endParaRPr lang="ko-KR" altLang="en-US" dirty="0">
-              <a:latin typeface="Consolas" panose="020B0609020204030204" pitchFamily="49" charset="0"/>
-            </a:endParaRPr>
-          </a:p>
-          <a:p>
-            <a:br>
-              <a:rPr lang="ko-KR" altLang="en-US" dirty="0">
-                <a:latin typeface="Consolas" panose="020B0609020204030204" pitchFamily="49" charset="0"/>
-              </a:rPr>
-            </a:br>
-            <a:r>
-              <a:rPr lang="en-US" altLang="ko-KR" dirty="0">
-                <a:latin typeface="Consolas" panose="020B0609020204030204" pitchFamily="49" charset="0"/>
-              </a:rPr>
-              <a:t>&lt;</a:t>
-            </a:r>
-            <a:r>
-              <a:rPr lang="en-US" altLang="ko-KR" dirty="0" err="1">
-                <a:latin typeface="Consolas" panose="020B0609020204030204" pitchFamily="49" charset="0"/>
-              </a:rPr>
-              <a:t>br</a:t>
-            </a:r>
-            <a:r>
-              <a:rPr lang="en-US" altLang="ko-KR" dirty="0">
-                <a:latin typeface="Consolas" panose="020B0609020204030204" pitchFamily="49" charset="0"/>
-              </a:rPr>
-              <a:t>&gt;</a:t>
-            </a:r>
           </a:p>
           <a:p>
             <a:endParaRPr lang="ko-KR" altLang="en-US" dirty="0"/>
@@ -6090,7 +5906,7 @@
         <p:spPr>
           <a:xfrm>
             <a:off x="1" y="100013"/>
-            <a:ext cx="12192000" cy="6186309"/>
+            <a:ext cx="12192000" cy="3970318"/>
           </a:xfrm>
           <a:prstGeom prst="rect">
             <a:avLst/>
@@ -6104,313 +5920,234 @@
           <a:lstStyle/>
           <a:p>
             <a:r>
-              <a:rPr lang="en-US" altLang="ko-KR" dirty="0">
-                <a:latin typeface="Consolas" panose="020B0609020204030204" pitchFamily="49" charset="0"/>
-              </a:rPr>
-              <a:t>&lt;</a:t>
+              <a:rPr lang="ko-KR" altLang="en-US" dirty="0">
+                <a:latin typeface="Consolas" panose="020B0609020204030204" pitchFamily="49" charset="0"/>
+              </a:rPr>
+              <a:t>실제로 </a:t>
+            </a:r>
+            <a:r>
+              <a:rPr lang="en-US" altLang="ko-KR" dirty="0">
+                <a:latin typeface="Consolas" panose="020B0609020204030204" pitchFamily="49" charset="0"/>
+              </a:rPr>
+              <a:t>md</a:t>
+            </a:r>
+            <a:r>
+              <a:rPr lang="ko-KR" altLang="en-US" dirty="0">
+                <a:latin typeface="Consolas" panose="020B0609020204030204" pitchFamily="49" charset="0"/>
+              </a:rPr>
+              <a:t>로 코딩을 </a:t>
+            </a:r>
+            <a:r>
+              <a:rPr lang="ko-KR" altLang="en-US" dirty="0" err="1">
+                <a:latin typeface="Consolas" panose="020B0609020204030204" pitchFamily="49" charset="0"/>
+              </a:rPr>
+              <a:t>하다보면</a:t>
+            </a:r>
+            <a:r>
+              <a:rPr lang="ko-KR" altLang="en-US" dirty="0">
+                <a:latin typeface="Consolas" panose="020B0609020204030204" pitchFamily="49" charset="0"/>
+              </a:rPr>
+              <a:t> 가독성 이 유독 눈에 띈다</a:t>
+            </a:r>
+            <a:r>
+              <a:rPr lang="en-US" altLang="ko-KR" dirty="0">
+                <a:latin typeface="Consolas" panose="020B0609020204030204" pitchFamily="49" charset="0"/>
+              </a:rPr>
+              <a:t>. </a:t>
+            </a:r>
+            <a:r>
+              <a:rPr lang="ko-KR" altLang="en-US" dirty="0">
+                <a:latin typeface="Consolas" panose="020B0609020204030204" pitchFamily="49" charset="0"/>
+              </a:rPr>
+              <a:t>기울기나 굵기는 코딩하면서 바로바로 보여주기에 적당한 값을 찾기가 쉽다</a:t>
+            </a:r>
+            <a:r>
+              <a:rPr lang="en-US" altLang="ko-KR" dirty="0">
+                <a:latin typeface="Consolas" panose="020B0609020204030204" pitchFamily="49" charset="0"/>
+              </a:rPr>
+              <a:t>.</a:t>
+            </a:r>
+          </a:p>
+          <a:p>
+            <a:r>
+              <a:rPr lang="ko-KR" altLang="en-US" dirty="0">
+                <a:latin typeface="Consolas" panose="020B0609020204030204" pitchFamily="49" charset="0"/>
+              </a:rPr>
+              <a:t>그리고 문서처럼 보이게 하는 태그도 존재한다</a:t>
+            </a:r>
+            <a:r>
+              <a:rPr lang="en-US" altLang="ko-KR" dirty="0">
+                <a:latin typeface="Consolas" panose="020B0609020204030204" pitchFamily="49" charset="0"/>
+              </a:rPr>
+              <a:t>. </a:t>
+            </a:r>
+            <a:r>
+              <a:rPr lang="ko-KR" altLang="en-US" dirty="0">
+                <a:latin typeface="Consolas" panose="020B0609020204030204" pitchFamily="49" charset="0"/>
+              </a:rPr>
+              <a:t>바로 </a:t>
+            </a:r>
+            <a:r>
+              <a:rPr lang="en-US" altLang="ko-KR" dirty="0">
+                <a:latin typeface="Consolas" panose="020B0609020204030204" pitchFamily="49" charset="0"/>
+              </a:rPr>
+              <a:t>&gt; </a:t>
+            </a:r>
+            <a:r>
+              <a:rPr lang="ko-KR" altLang="en-US" dirty="0">
+                <a:latin typeface="Consolas" panose="020B0609020204030204" pitchFamily="49" charset="0"/>
+              </a:rPr>
+              <a:t>인대 오른쪽 꺾쇠 괄호 이다</a:t>
+            </a:r>
+            <a:r>
+              <a:rPr lang="en-US" altLang="ko-KR" dirty="0">
+                <a:latin typeface="Consolas" panose="020B0609020204030204" pitchFamily="49" charset="0"/>
+              </a:rPr>
+              <a:t>. </a:t>
+            </a:r>
+            <a:r>
+              <a:rPr lang="ko-KR" altLang="en-US" dirty="0">
+                <a:latin typeface="Consolas" panose="020B0609020204030204" pitchFamily="49" charset="0"/>
+              </a:rPr>
+              <a:t>밑에 예시 처럼 보여준다</a:t>
+            </a:r>
+            <a:r>
+              <a:rPr lang="en-US" altLang="ko-KR" dirty="0">
+                <a:latin typeface="Consolas" panose="020B0609020204030204" pitchFamily="49" charset="0"/>
+              </a:rPr>
+              <a:t>.</a:t>
+            </a:r>
+          </a:p>
+          <a:p>
+            <a:br>
+              <a:rPr lang="en-US" altLang="ko-KR" dirty="0">
+                <a:latin typeface="Consolas" panose="020B0609020204030204" pitchFamily="49" charset="0"/>
+              </a:rPr>
+            </a:br>
+            <a:r>
+              <a:rPr lang="en-US" altLang="ko-KR" dirty="0">
+                <a:latin typeface="Consolas" panose="020B0609020204030204" pitchFamily="49" charset="0"/>
+              </a:rPr>
+              <a:t>&gt;</a:t>
+            </a:r>
+            <a:r>
+              <a:rPr lang="ko-KR" altLang="en-US" dirty="0">
+                <a:latin typeface="Consolas" panose="020B0609020204030204" pitchFamily="49" charset="0"/>
+              </a:rPr>
+              <a:t> 인용문</a:t>
+            </a:r>
+          </a:p>
+          <a:p>
+            <a:r>
+              <a:rPr lang="en-US" altLang="ko-KR" dirty="0">
+                <a:latin typeface="Consolas" panose="020B0609020204030204" pitchFamily="49" charset="0"/>
+              </a:rPr>
+              <a:t>&lt; https://kimjonghodea.github.io/php.201840209/ &gt;</a:t>
+            </a:r>
+            <a:br>
+              <a:rPr lang="en-US" altLang="ko-KR" dirty="0">
+                <a:latin typeface="Consolas" panose="020B0609020204030204" pitchFamily="49" charset="0"/>
+              </a:rPr>
+            </a:br>
+            <a:r>
+              <a:rPr lang="ko-KR" altLang="en-US" dirty="0">
+                <a:latin typeface="Consolas" panose="020B0609020204030204" pitchFamily="49" charset="0"/>
+              </a:rPr>
+              <a:t>그리고 </a:t>
+            </a:r>
+            <a:r>
+              <a:rPr lang="en-US" altLang="ko-KR" dirty="0">
+                <a:latin typeface="Consolas" panose="020B0609020204030204" pitchFamily="49" charset="0"/>
+              </a:rPr>
+              <a:t>md</a:t>
+            </a:r>
+            <a:r>
+              <a:rPr lang="ko-KR" altLang="en-US" dirty="0">
+                <a:latin typeface="Consolas" panose="020B0609020204030204" pitchFamily="49" charset="0"/>
+              </a:rPr>
+              <a:t>의 </a:t>
+            </a:r>
+            <a:r>
+              <a:rPr lang="ko-KR" altLang="en-US" dirty="0" err="1">
+                <a:latin typeface="Consolas" panose="020B0609020204030204" pitchFamily="49" charset="0"/>
+              </a:rPr>
+              <a:t>행열로</a:t>
+            </a:r>
+            <a:r>
+              <a:rPr lang="ko-KR" altLang="en-US" dirty="0">
+                <a:latin typeface="Consolas" panose="020B0609020204030204" pitchFamily="49" charset="0"/>
+              </a:rPr>
+              <a:t> 표를 만드는 방법은</a:t>
+            </a:r>
+            <a:br>
+              <a:rPr lang="ko-KR" altLang="en-US" dirty="0">
+                <a:latin typeface="Consolas" panose="020B0609020204030204" pitchFamily="49" charset="0"/>
+              </a:rPr>
+            </a:br>
+            <a:r>
+              <a:rPr lang="en-US" altLang="ko-KR" dirty="0">
+                <a:latin typeface="Consolas" panose="020B0609020204030204" pitchFamily="49" charset="0"/>
+              </a:rPr>
+              <a:t>&gt;</a:t>
+            </a:r>
+            <a:r>
+              <a:rPr lang="ko-KR" altLang="en-US" dirty="0">
+                <a:latin typeface="Consolas" panose="020B0609020204030204" pitchFamily="49" charset="0"/>
+              </a:rPr>
+              <a:t>테이블</a:t>
+            </a:r>
+            <a:r>
+              <a:rPr lang="en-US" altLang="ko-KR" dirty="0">
+                <a:latin typeface="Consolas" panose="020B0609020204030204" pitchFamily="49" charset="0"/>
+              </a:rPr>
+              <a:t>1 | </a:t>
+            </a:r>
+            <a:r>
+              <a:rPr lang="ko-KR" altLang="en-US" dirty="0">
+                <a:latin typeface="Consolas" panose="020B0609020204030204" pitchFamily="49" charset="0"/>
+              </a:rPr>
+              <a:t>테이블 </a:t>
+            </a:r>
+            <a:r>
+              <a:rPr lang="en-US" altLang="ko-KR" dirty="0">
+                <a:latin typeface="Consolas" panose="020B0609020204030204" pitchFamily="49" charset="0"/>
+              </a:rPr>
+              <a:t>2 | </a:t>
+            </a:r>
+            <a:r>
+              <a:rPr lang="ko-KR" altLang="en-US" dirty="0">
+                <a:latin typeface="Consolas" panose="020B0609020204030204" pitchFamily="49" charset="0"/>
+              </a:rPr>
+              <a:t>테이블</a:t>
+            </a:r>
+            <a:r>
+              <a:rPr lang="en-US" altLang="ko-KR" dirty="0">
+                <a:latin typeface="Consolas" panose="020B0609020204030204" pitchFamily="49" charset="0"/>
+              </a:rPr>
+              <a:t>3 </a:t>
+            </a:r>
+          </a:p>
+          <a:p>
+            <a:r>
+              <a:rPr lang="en-US" altLang="ko-KR" dirty="0">
+                <a:latin typeface="Consolas" panose="020B0609020204030204" pitchFamily="49" charset="0"/>
+              </a:rPr>
+              <a:t>&gt;--- | --- | ---</a:t>
+            </a:r>
+          </a:p>
+          <a:p>
+            <a:r>
+              <a:rPr lang="en-US" altLang="ko-KR" dirty="0">
+                <a:latin typeface="Consolas" panose="020B0609020204030204" pitchFamily="49" charset="0"/>
+              </a:rPr>
+              <a:t>&gt;md | html | </a:t>
             </a:r>
             <a:r>
               <a:rPr lang="en-US" altLang="ko-KR" dirty="0" err="1">
                 <a:latin typeface="Consolas" panose="020B0609020204030204" pitchFamily="49" charset="0"/>
               </a:rPr>
-              <a:t>br</a:t>
-            </a:r>
-            <a:r>
-              <a:rPr lang="en-US" altLang="ko-KR" dirty="0">
-                <a:latin typeface="Consolas" panose="020B0609020204030204" pitchFamily="49" charset="0"/>
-              </a:rPr>
-              <a:t>&gt;</a:t>
-            </a:r>
-          </a:p>
-          <a:p>
-            <a:br>
-              <a:rPr lang="en-US" altLang="ko-KR" dirty="0">
-                <a:latin typeface="Consolas" panose="020B0609020204030204" pitchFamily="49" charset="0"/>
-              </a:rPr>
-            </a:br>
-            <a:r>
-              <a:rPr lang="ko-KR" altLang="en-US" dirty="0">
-                <a:latin typeface="Consolas" panose="020B0609020204030204" pitchFamily="49" charset="0"/>
-              </a:rPr>
-              <a:t>실제로 </a:t>
-            </a:r>
-            <a:r>
-              <a:rPr lang="en-US" altLang="ko-KR" dirty="0">
-                <a:latin typeface="Consolas" panose="020B0609020204030204" pitchFamily="49" charset="0"/>
-              </a:rPr>
-              <a:t>md</a:t>
-            </a:r>
-            <a:r>
-              <a:rPr lang="ko-KR" altLang="en-US" dirty="0">
-                <a:latin typeface="Consolas" panose="020B0609020204030204" pitchFamily="49" charset="0"/>
-              </a:rPr>
-              <a:t>로 코딩을 </a:t>
-            </a:r>
-            <a:r>
-              <a:rPr lang="ko-KR" altLang="en-US" dirty="0" err="1">
-                <a:latin typeface="Consolas" panose="020B0609020204030204" pitchFamily="49" charset="0"/>
-              </a:rPr>
-              <a:t>하다보면</a:t>
-            </a:r>
-            <a:r>
-              <a:rPr lang="ko-KR" altLang="en-US" dirty="0">
-                <a:latin typeface="Consolas" panose="020B0609020204030204" pitchFamily="49" charset="0"/>
-              </a:rPr>
-              <a:t> 가독성 이 유독 눈에 띈다</a:t>
-            </a:r>
-            <a:r>
-              <a:rPr lang="en-US" altLang="ko-KR" dirty="0">
-                <a:latin typeface="Consolas" panose="020B0609020204030204" pitchFamily="49" charset="0"/>
-              </a:rPr>
-              <a:t>. </a:t>
-            </a:r>
-            <a:r>
-              <a:rPr lang="ko-KR" altLang="en-US" dirty="0">
-                <a:latin typeface="Consolas" panose="020B0609020204030204" pitchFamily="49" charset="0"/>
-              </a:rPr>
-              <a:t>기울기나 굵기는 코딩하면서 바로바로 보여주기에 적당한 값을 찾기가 쉽다</a:t>
-            </a:r>
-            <a:r>
-              <a:rPr lang="en-US" altLang="ko-KR" dirty="0">
-                <a:latin typeface="Consolas" panose="020B0609020204030204" pitchFamily="49" charset="0"/>
-              </a:rPr>
-              <a:t>.</a:t>
-            </a:r>
-          </a:p>
-          <a:p>
-            <a:r>
-              <a:rPr lang="ko-KR" altLang="en-US" dirty="0">
-                <a:latin typeface="Consolas" panose="020B0609020204030204" pitchFamily="49" charset="0"/>
-              </a:rPr>
-              <a:t>그리고 문서처럼 보이게 하는 태그도 존재한다</a:t>
-            </a:r>
-            <a:r>
-              <a:rPr lang="en-US" altLang="ko-KR" dirty="0">
-                <a:latin typeface="Consolas" panose="020B0609020204030204" pitchFamily="49" charset="0"/>
-              </a:rPr>
-              <a:t>. </a:t>
-            </a:r>
-            <a:r>
-              <a:rPr lang="ko-KR" altLang="en-US" dirty="0">
-                <a:latin typeface="Consolas" panose="020B0609020204030204" pitchFamily="49" charset="0"/>
-              </a:rPr>
-              <a:t>바로 </a:t>
-            </a:r>
-            <a:r>
-              <a:rPr lang="en-US" altLang="ko-KR" dirty="0">
-                <a:latin typeface="Consolas" panose="020B0609020204030204" pitchFamily="49" charset="0"/>
-              </a:rPr>
-              <a:t>&gt; </a:t>
-            </a:r>
-            <a:r>
-              <a:rPr lang="ko-KR" altLang="en-US" dirty="0">
-                <a:latin typeface="Consolas" panose="020B0609020204030204" pitchFamily="49" charset="0"/>
-              </a:rPr>
-              <a:t>인대 오른쪽 꺾쇠 괄호 이다</a:t>
-            </a:r>
-            <a:r>
-              <a:rPr lang="en-US" altLang="ko-KR" dirty="0">
-                <a:latin typeface="Consolas" panose="020B0609020204030204" pitchFamily="49" charset="0"/>
-              </a:rPr>
-              <a:t>. </a:t>
-            </a:r>
-            <a:r>
-              <a:rPr lang="ko-KR" altLang="en-US" dirty="0">
-                <a:latin typeface="Consolas" panose="020B0609020204030204" pitchFamily="49" charset="0"/>
-              </a:rPr>
-              <a:t>밑에 예시 처럼 보여준다</a:t>
-            </a:r>
-            <a:r>
-              <a:rPr lang="en-US" altLang="ko-KR" dirty="0">
-                <a:latin typeface="Consolas" panose="020B0609020204030204" pitchFamily="49" charset="0"/>
-              </a:rPr>
-              <a:t>.</a:t>
-            </a:r>
-          </a:p>
-          <a:p>
-            <a:br>
-              <a:rPr lang="en-US" altLang="ko-KR" dirty="0">
-                <a:latin typeface="Consolas" panose="020B0609020204030204" pitchFamily="49" charset="0"/>
-              </a:rPr>
-            </a:br>
-            <a:r>
-              <a:rPr lang="en-US" altLang="ko-KR" dirty="0">
-                <a:latin typeface="Consolas" panose="020B0609020204030204" pitchFamily="49" charset="0"/>
-              </a:rPr>
-              <a:t>&gt;</a:t>
-            </a:r>
-            <a:r>
-              <a:rPr lang="ko-KR" altLang="en-US" dirty="0">
-                <a:latin typeface="Consolas" panose="020B0609020204030204" pitchFamily="49" charset="0"/>
-              </a:rPr>
-              <a:t> 인용문</a:t>
-            </a:r>
-          </a:p>
-          <a:p>
-            <a:r>
-              <a:rPr lang="en-US" altLang="ko-KR" dirty="0">
-                <a:latin typeface="Consolas" panose="020B0609020204030204" pitchFamily="49" charset="0"/>
-              </a:rPr>
-              <a:t>&lt; https://kimjonghodea.github.io/php.201840209/ &gt;</a:t>
-            </a:r>
-          </a:p>
-          <a:p>
-            <a:br>
-              <a:rPr lang="en-US" altLang="ko-KR" dirty="0">
-                <a:latin typeface="Consolas" panose="020B0609020204030204" pitchFamily="49" charset="0"/>
-              </a:rPr>
-            </a:br>
-            <a:r>
-              <a:rPr lang="en-US" altLang="ko-KR" dirty="0">
-                <a:latin typeface="Consolas" panose="020B0609020204030204" pitchFamily="49" charset="0"/>
-              </a:rPr>
-              <a:t>&lt;</a:t>
-            </a:r>
-            <a:r>
-              <a:rPr lang="en-US" altLang="ko-KR" dirty="0" err="1">
-                <a:latin typeface="Consolas" panose="020B0609020204030204" pitchFamily="49" charset="0"/>
-              </a:rPr>
-              <a:t>br</a:t>
-            </a:r>
-            <a:r>
-              <a:rPr lang="en-US" altLang="ko-KR" dirty="0">
-                <a:latin typeface="Consolas" panose="020B0609020204030204" pitchFamily="49" charset="0"/>
-              </a:rPr>
-              <a:t>&gt;</a:t>
-            </a:r>
-          </a:p>
-          <a:p>
-            <a:br>
-              <a:rPr lang="en-US" altLang="ko-KR" dirty="0">
-                <a:latin typeface="Consolas" panose="020B0609020204030204" pitchFamily="49" charset="0"/>
-              </a:rPr>
-            </a:br>
-            <a:r>
-              <a:rPr lang="ko-KR" altLang="en-US" dirty="0">
-                <a:latin typeface="Consolas" panose="020B0609020204030204" pitchFamily="49" charset="0"/>
-              </a:rPr>
-              <a:t>그리고 </a:t>
-            </a:r>
-            <a:r>
-              <a:rPr lang="en-US" altLang="ko-KR" dirty="0">
-                <a:latin typeface="Consolas" panose="020B0609020204030204" pitchFamily="49" charset="0"/>
-              </a:rPr>
-              <a:t>md</a:t>
-            </a:r>
-            <a:r>
-              <a:rPr lang="ko-KR" altLang="en-US" dirty="0">
-                <a:latin typeface="Consolas" panose="020B0609020204030204" pitchFamily="49" charset="0"/>
-              </a:rPr>
-              <a:t>의 </a:t>
-            </a:r>
-            <a:r>
-              <a:rPr lang="ko-KR" altLang="en-US" dirty="0" err="1">
-                <a:latin typeface="Consolas" panose="020B0609020204030204" pitchFamily="49" charset="0"/>
-              </a:rPr>
-              <a:t>행열로</a:t>
-            </a:r>
-            <a:r>
-              <a:rPr lang="ko-KR" altLang="en-US" dirty="0">
-                <a:latin typeface="Consolas" panose="020B0609020204030204" pitchFamily="49" charset="0"/>
-              </a:rPr>
-              <a:t> 표를 만드는 방법은</a:t>
-            </a:r>
-          </a:p>
-          <a:p>
-            <a:br>
-              <a:rPr lang="ko-KR" altLang="en-US" dirty="0">
-                <a:latin typeface="Consolas" panose="020B0609020204030204" pitchFamily="49" charset="0"/>
-              </a:rPr>
-            </a:br>
-            <a:r>
-              <a:rPr lang="en-US" altLang="ko-KR" dirty="0">
-                <a:latin typeface="Consolas" panose="020B0609020204030204" pitchFamily="49" charset="0"/>
-              </a:rPr>
-              <a:t>&gt;</a:t>
-            </a:r>
-            <a:r>
-              <a:rPr lang="ko-KR" altLang="en-US" dirty="0">
-                <a:latin typeface="Consolas" panose="020B0609020204030204" pitchFamily="49" charset="0"/>
-              </a:rPr>
-              <a:t>테이블</a:t>
-            </a:r>
-            <a:r>
-              <a:rPr lang="en-US" altLang="ko-KR" dirty="0">
-                <a:latin typeface="Consolas" panose="020B0609020204030204" pitchFamily="49" charset="0"/>
-              </a:rPr>
-              <a:t>1 | </a:t>
-            </a:r>
-            <a:r>
-              <a:rPr lang="ko-KR" altLang="en-US" dirty="0">
-                <a:latin typeface="Consolas" panose="020B0609020204030204" pitchFamily="49" charset="0"/>
-              </a:rPr>
-              <a:t>테이블 </a:t>
-            </a:r>
-            <a:r>
-              <a:rPr lang="en-US" altLang="ko-KR" dirty="0">
-                <a:latin typeface="Consolas" panose="020B0609020204030204" pitchFamily="49" charset="0"/>
-              </a:rPr>
-              <a:t>2 | </a:t>
-            </a:r>
-            <a:r>
-              <a:rPr lang="ko-KR" altLang="en-US" dirty="0">
-                <a:latin typeface="Consolas" panose="020B0609020204030204" pitchFamily="49" charset="0"/>
-              </a:rPr>
-              <a:t>테이블</a:t>
-            </a:r>
-            <a:r>
-              <a:rPr lang="en-US" altLang="ko-KR" dirty="0">
-                <a:latin typeface="Consolas" panose="020B0609020204030204" pitchFamily="49" charset="0"/>
-              </a:rPr>
-              <a:t>3 </a:t>
-            </a:r>
-          </a:p>
-          <a:p>
-            <a:r>
-              <a:rPr lang="en-US" altLang="ko-KR" dirty="0">
-                <a:latin typeface="Consolas" panose="020B0609020204030204" pitchFamily="49" charset="0"/>
-              </a:rPr>
-              <a:t>&gt;--- | --- | ---</a:t>
-            </a:r>
-          </a:p>
-          <a:p>
-            <a:r>
-              <a:rPr lang="en-US" altLang="ko-KR" dirty="0">
-                <a:latin typeface="Consolas" panose="020B0609020204030204" pitchFamily="49" charset="0"/>
-              </a:rPr>
-              <a:t>&gt;md | html | </a:t>
-            </a:r>
-            <a:r>
-              <a:rPr lang="en-US" altLang="ko-KR" dirty="0" err="1">
-                <a:latin typeface="Consolas" panose="020B0609020204030204" pitchFamily="49" charset="0"/>
-              </a:rPr>
               <a:t>js</a:t>
             </a:r>
-            <a:endParaRPr lang="en-US" altLang="ko-KR" dirty="0">
-              <a:latin typeface="Consolas" panose="020B0609020204030204" pitchFamily="49" charset="0"/>
-            </a:endParaRPr>
-          </a:p>
-          <a:p>
-            <a:r>
-              <a:rPr lang="en-US" altLang="ko-KR" dirty="0">
-                <a:latin typeface="Consolas" panose="020B0609020204030204" pitchFamily="49" charset="0"/>
-              </a:rPr>
-              <a:t>&lt;</a:t>
-            </a:r>
-            <a:r>
-              <a:rPr lang="en-US" altLang="ko-KR" dirty="0" err="1">
-                <a:latin typeface="Consolas" panose="020B0609020204030204" pitchFamily="49" charset="0"/>
-              </a:rPr>
-              <a:t>br</a:t>
-            </a:r>
-            <a:r>
-              <a:rPr lang="en-US" altLang="ko-KR" dirty="0">
-                <a:latin typeface="Consolas" panose="020B0609020204030204" pitchFamily="49" charset="0"/>
-              </a:rPr>
-              <a:t>&gt;</a:t>
-            </a:r>
-          </a:p>
-          <a:p>
             <a:br>
               <a:rPr lang="en-US" altLang="ko-KR" dirty="0">
                 <a:latin typeface="Consolas" panose="020B0609020204030204" pitchFamily="49" charset="0"/>
